--- a/关卡1-李硕.pptx
+++ b/关卡1-李硕.pptx
@@ -5,14 +5,14 @@
     <p:sldMasterId id="2147483648" r:id="rId1"/>
   </p:sldMasterIdLst>
   <p:notesMasterIdLst>
-    <p:notesMasterId r:id="rId7"/>
+    <p:notesMasterId r:id="rId8"/>
   </p:notesMasterIdLst>
   <p:sldIdLst>
-    <p:sldId id="256" r:id="rId2"/>
-    <p:sldId id="257" r:id="rId3"/>
+    <p:sldId id="256" r:id="rId3"/>
     <p:sldId id="258" r:id="rId4"/>
     <p:sldId id="259" r:id="rId5"/>
     <p:sldId id="260" r:id="rId6"/>
+    <p:sldId id="257" r:id="rId7"/>
   </p:sldIdLst>
   <p:sldSz cx="12192000" cy="6858000"/>
   <p:notesSz cx="6858000" cy="9144000"/>
@@ -111,11 +111,6 @@
       </a:defRPr>
     </a:lvl9pPr>
   </p:defaultTextStyle>
-  <p:extLst>
-    <p:ext uri="{EFAFB233-063F-42B5-8137-9DF3F51BA10A}">
-      <p15:sldGuideLst xmlns:p15="http://schemas.microsoft.com/office/powerpoint/2012/main"/>
-    </p:ext>
-  </p:extLst>
 </p:presentation>
 </file>
 
@@ -201,7 +196,6 @@
           <a:p>
             <a:fld id="{D2A48B96-639E-45A3-A0BA-2464DFDB1FAA}" type="datetimeFigureOut">
               <a:rPr lang="zh-CN" altLang="en-US" smtClean="0"/>
-              <a:t>2017/8/13</a:t>
             </a:fld>
             <a:endParaRPr lang="zh-CN" altLang="en-US"/>
           </a:p>
@@ -268,6 +262,7 @@
               <a:rPr lang="zh-CN" altLang="en-US" smtClean="0"/>
               <a:t>单击此处编辑母版文本样式</a:t>
             </a:r>
+            <a:endParaRPr lang="zh-CN" altLang="en-US" smtClean="0"/>
           </a:p>
           <a:p>
             <a:pPr lvl="1"/>
@@ -275,6 +270,7 @@
               <a:rPr lang="zh-CN" altLang="en-US" smtClean="0"/>
               <a:t>第二级</a:t>
             </a:r>
+            <a:endParaRPr lang="zh-CN" altLang="en-US" smtClean="0"/>
           </a:p>
           <a:p>
             <a:pPr lvl="2"/>
@@ -282,6 +278,7 @@
               <a:rPr lang="zh-CN" altLang="en-US" smtClean="0"/>
               <a:t>第三级</a:t>
             </a:r>
+            <a:endParaRPr lang="zh-CN" altLang="en-US" smtClean="0"/>
           </a:p>
           <a:p>
             <a:pPr lvl="3"/>
@@ -289,6 +286,7 @@
               <a:rPr lang="zh-CN" altLang="en-US" smtClean="0"/>
               <a:t>第四级</a:t>
             </a:r>
+            <a:endParaRPr lang="zh-CN" altLang="en-US" smtClean="0"/>
           </a:p>
           <a:p>
             <a:pPr lvl="4"/>
@@ -360,18 +358,12 @@
           <a:p>
             <a:fld id="{A6837353-30EB-4A48-80EB-173D804AEFBD}" type="slidenum">
               <a:rPr lang="zh-CN" altLang="en-US" smtClean="0"/>
-              <a:t>‹#›</a:t>
             </a:fld>
             <a:endParaRPr lang="zh-CN" altLang="en-US"/>
           </a:p>
         </p:txBody>
       </p:sp>
     </p:spTree>
-    <p:extLst>
-      <p:ext uri="{BB962C8B-B14F-4D97-AF65-F5344CB8AC3E}">
-        <p14:creationId xmlns:p14="http://schemas.microsoft.com/office/powerpoint/2010/main" val="4145519486"/>
-      </p:ext>
-    </p:extLst>
   </p:cSld>
   <p:clrMap bg1="lt1" tx1="dk1" bg2="lt2" tx2="dk2" accent1="accent1" accent2="accent2" accent3="accent3" accent4="accent4" accent5="accent5" accent6="accent6" hlink="hlink" folHlink="folHlink"/>
   <p:notesStyle>
@@ -600,7 +592,6 @@
           <a:p>
             <a:fld id="{D997B5FA-0921-464F-AAE1-844C04324D75}" type="datetimeFigureOut">
               <a:rPr lang="zh-CN" altLang="en-US" smtClean="0"/>
-              <a:t>2017/8/13</a:t>
             </a:fld>
             <a:endParaRPr lang="zh-CN" altLang="en-US"/>
           </a:p>
@@ -625,6 +616,7 @@
               <a:rPr lang="zh-CN" altLang="en-US"/>
               <a:t>三人开发小组</a:t>
             </a:r>
+            <a:endParaRPr lang="zh-CN" altLang="en-US"/>
           </a:p>
         </p:txBody>
       </p:sp>
@@ -645,7 +637,6 @@
           <a:p>
             <a:fld id="{565CE74E-AB26-4998-AD42-012C4C1AD076}" type="slidenum">
               <a:rPr lang="zh-CN" altLang="en-US" smtClean="0"/>
-              <a:t>‹#›</a:t>
             </a:fld>
             <a:endParaRPr lang="zh-CN" altLang="en-US"/>
           </a:p>
@@ -720,6 +711,7 @@
               <a:rPr lang="zh-CN" altLang="en-US" smtClean="0"/>
               <a:t>单击此处编辑母版文本样式</a:t>
             </a:r>
+            <a:endParaRPr lang="zh-CN" altLang="en-US" smtClean="0"/>
           </a:p>
           <a:p>
             <a:pPr lvl="1"/>
@@ -727,6 +719,7 @@
               <a:rPr lang="zh-CN" altLang="en-US" smtClean="0"/>
               <a:t>第二级</a:t>
             </a:r>
+            <a:endParaRPr lang="zh-CN" altLang="en-US" smtClean="0"/>
           </a:p>
           <a:p>
             <a:pPr lvl="2"/>
@@ -734,6 +727,7 @@
               <a:rPr lang="zh-CN" altLang="en-US" smtClean="0"/>
               <a:t>第三级</a:t>
             </a:r>
+            <a:endParaRPr lang="zh-CN" altLang="en-US" smtClean="0"/>
           </a:p>
           <a:p>
             <a:pPr lvl="3"/>
@@ -741,6 +735,7 @@
               <a:rPr lang="zh-CN" altLang="en-US" smtClean="0"/>
               <a:t>第四级</a:t>
             </a:r>
+            <a:endParaRPr lang="zh-CN" altLang="en-US" smtClean="0"/>
           </a:p>
           <a:p>
             <a:pPr lvl="4"/>
@@ -769,7 +764,6 @@
           <a:p>
             <a:fld id="{D997B5FA-0921-464F-AAE1-844C04324D75}" type="datetimeFigureOut">
               <a:rPr lang="zh-CN" altLang="en-US" smtClean="0"/>
-              <a:t>2017/8/13</a:t>
             </a:fld>
             <a:endParaRPr lang="zh-CN" altLang="en-US"/>
           </a:p>
@@ -794,6 +788,7 @@
               <a:rPr lang="zh-CN" altLang="en-US"/>
               <a:t>三人开发小组</a:t>
             </a:r>
+            <a:endParaRPr lang="zh-CN" altLang="en-US"/>
           </a:p>
         </p:txBody>
       </p:sp>
@@ -814,7 +809,6 @@
           <a:p>
             <a:fld id="{565CE74E-AB26-4998-AD42-012C4C1AD076}" type="slidenum">
               <a:rPr lang="zh-CN" altLang="en-US" smtClean="0"/>
-              <a:t>‹#›</a:t>
             </a:fld>
             <a:endParaRPr lang="zh-CN" altLang="en-US"/>
           </a:p>
@@ -899,6 +893,7 @@
               <a:rPr lang="zh-CN" altLang="en-US" smtClean="0"/>
               <a:t>单击此处编辑母版文本样式</a:t>
             </a:r>
+            <a:endParaRPr lang="zh-CN" altLang="en-US" smtClean="0"/>
           </a:p>
           <a:p>
             <a:pPr lvl="1"/>
@@ -906,6 +901,7 @@
               <a:rPr lang="zh-CN" altLang="en-US" smtClean="0"/>
               <a:t>第二级</a:t>
             </a:r>
+            <a:endParaRPr lang="zh-CN" altLang="en-US" smtClean="0"/>
           </a:p>
           <a:p>
             <a:pPr lvl="2"/>
@@ -913,6 +909,7 @@
               <a:rPr lang="zh-CN" altLang="en-US" smtClean="0"/>
               <a:t>第三级</a:t>
             </a:r>
+            <a:endParaRPr lang="zh-CN" altLang="en-US" smtClean="0"/>
           </a:p>
           <a:p>
             <a:pPr lvl="3"/>
@@ -920,6 +917,7 @@
               <a:rPr lang="zh-CN" altLang="en-US" smtClean="0"/>
               <a:t>第四级</a:t>
             </a:r>
+            <a:endParaRPr lang="zh-CN" altLang="en-US" smtClean="0"/>
           </a:p>
           <a:p>
             <a:pPr lvl="4"/>
@@ -948,7 +946,6 @@
           <a:p>
             <a:fld id="{D997B5FA-0921-464F-AAE1-844C04324D75}" type="datetimeFigureOut">
               <a:rPr lang="zh-CN" altLang="en-US" smtClean="0"/>
-              <a:t>2017/8/13</a:t>
             </a:fld>
             <a:endParaRPr lang="zh-CN" altLang="en-US"/>
           </a:p>
@@ -973,6 +970,7 @@
               <a:rPr lang="zh-CN" altLang="en-US"/>
               <a:t>三人开发小组</a:t>
             </a:r>
+            <a:endParaRPr lang="zh-CN" altLang="en-US"/>
           </a:p>
         </p:txBody>
       </p:sp>
@@ -993,7 +991,6 @@
           <a:p>
             <a:fld id="{565CE74E-AB26-4998-AD42-012C4C1AD076}" type="slidenum">
               <a:rPr lang="zh-CN" altLang="en-US" smtClean="0"/>
-              <a:t>‹#›</a:t>
             </a:fld>
             <a:endParaRPr lang="zh-CN" altLang="en-US"/>
           </a:p>
@@ -1068,6 +1065,7 @@
               <a:rPr lang="zh-CN" altLang="en-US" smtClean="0"/>
               <a:t>单击此处编辑母版文本样式</a:t>
             </a:r>
+            <a:endParaRPr lang="zh-CN" altLang="en-US" smtClean="0"/>
           </a:p>
           <a:p>
             <a:pPr lvl="1"/>
@@ -1075,6 +1073,7 @@
               <a:rPr lang="zh-CN" altLang="en-US" smtClean="0"/>
               <a:t>第二级</a:t>
             </a:r>
+            <a:endParaRPr lang="zh-CN" altLang="en-US" smtClean="0"/>
           </a:p>
           <a:p>
             <a:pPr lvl="2"/>
@@ -1082,6 +1081,7 @@
               <a:rPr lang="zh-CN" altLang="en-US" smtClean="0"/>
               <a:t>第三级</a:t>
             </a:r>
+            <a:endParaRPr lang="zh-CN" altLang="en-US" smtClean="0"/>
           </a:p>
           <a:p>
             <a:pPr lvl="3"/>
@@ -1089,6 +1089,7 @@
               <a:rPr lang="zh-CN" altLang="en-US" smtClean="0"/>
               <a:t>第四级</a:t>
             </a:r>
+            <a:endParaRPr lang="zh-CN" altLang="en-US" smtClean="0"/>
           </a:p>
           <a:p>
             <a:pPr lvl="4"/>
@@ -1117,7 +1118,6 @@
           <a:p>
             <a:fld id="{D997B5FA-0921-464F-AAE1-844C04324D75}" type="datetimeFigureOut">
               <a:rPr lang="zh-CN" altLang="en-US" smtClean="0"/>
-              <a:t>2017/8/13</a:t>
             </a:fld>
             <a:endParaRPr lang="zh-CN" altLang="en-US"/>
           </a:p>
@@ -1142,6 +1142,7 @@
               <a:rPr lang="zh-CN" altLang="en-US"/>
               <a:t>三人开发小组</a:t>
             </a:r>
+            <a:endParaRPr lang="zh-CN" altLang="en-US"/>
           </a:p>
         </p:txBody>
       </p:sp>
@@ -1162,7 +1163,6 @@
           <a:p>
             <a:fld id="{565CE74E-AB26-4998-AD42-012C4C1AD076}" type="slidenum">
               <a:rPr lang="zh-CN" altLang="en-US" smtClean="0"/>
-              <a:t>‹#›</a:t>
             </a:fld>
             <a:endParaRPr lang="zh-CN" altLang="en-US"/>
           </a:p>
@@ -1342,6 +1342,7 @@
               <a:rPr lang="zh-CN" altLang="en-US" smtClean="0"/>
               <a:t>单击此处编辑母版文本样式</a:t>
             </a:r>
+            <a:endParaRPr lang="zh-CN" altLang="en-US" smtClean="0"/>
           </a:p>
         </p:txBody>
       </p:sp>
@@ -1362,7 +1363,6 @@
           <a:p>
             <a:fld id="{D997B5FA-0921-464F-AAE1-844C04324D75}" type="datetimeFigureOut">
               <a:rPr lang="zh-CN" altLang="en-US" smtClean="0"/>
-              <a:t>2017/8/13</a:t>
             </a:fld>
             <a:endParaRPr lang="zh-CN" altLang="en-US"/>
           </a:p>
@@ -1387,6 +1387,7 @@
               <a:rPr lang="zh-CN" altLang="en-US"/>
               <a:t>三人开发小组</a:t>
             </a:r>
+            <a:endParaRPr lang="zh-CN" altLang="en-US"/>
           </a:p>
         </p:txBody>
       </p:sp>
@@ -1407,7 +1408,6 @@
           <a:p>
             <a:fld id="{565CE74E-AB26-4998-AD42-012C4C1AD076}" type="slidenum">
               <a:rPr lang="zh-CN" altLang="en-US" smtClean="0"/>
-              <a:t>‹#›</a:t>
             </a:fld>
             <a:endParaRPr lang="zh-CN" altLang="en-US"/>
           </a:p>
@@ -1487,6 +1487,7 @@
               <a:rPr lang="zh-CN" altLang="en-US" smtClean="0"/>
               <a:t>单击此处编辑母版文本样式</a:t>
             </a:r>
+            <a:endParaRPr lang="zh-CN" altLang="en-US" smtClean="0"/>
           </a:p>
           <a:p>
             <a:pPr lvl="1"/>
@@ -1494,6 +1495,7 @@
               <a:rPr lang="zh-CN" altLang="en-US" smtClean="0"/>
               <a:t>第二级</a:t>
             </a:r>
+            <a:endParaRPr lang="zh-CN" altLang="en-US" smtClean="0"/>
           </a:p>
           <a:p>
             <a:pPr lvl="2"/>
@@ -1501,6 +1503,7 @@
               <a:rPr lang="zh-CN" altLang="en-US" smtClean="0"/>
               <a:t>第三级</a:t>
             </a:r>
+            <a:endParaRPr lang="zh-CN" altLang="en-US" smtClean="0"/>
           </a:p>
           <a:p>
             <a:pPr lvl="3"/>
@@ -1508,6 +1511,7 @@
               <a:rPr lang="zh-CN" altLang="en-US" smtClean="0"/>
               <a:t>第四级</a:t>
             </a:r>
+            <a:endParaRPr lang="zh-CN" altLang="en-US" smtClean="0"/>
           </a:p>
           <a:p>
             <a:pPr lvl="4"/>
@@ -1544,6 +1548,7 @@
               <a:rPr lang="zh-CN" altLang="en-US" smtClean="0"/>
               <a:t>单击此处编辑母版文本样式</a:t>
             </a:r>
+            <a:endParaRPr lang="zh-CN" altLang="en-US" smtClean="0"/>
           </a:p>
           <a:p>
             <a:pPr lvl="1"/>
@@ -1551,6 +1556,7 @@
               <a:rPr lang="zh-CN" altLang="en-US" smtClean="0"/>
               <a:t>第二级</a:t>
             </a:r>
+            <a:endParaRPr lang="zh-CN" altLang="en-US" smtClean="0"/>
           </a:p>
           <a:p>
             <a:pPr lvl="2"/>
@@ -1558,6 +1564,7 @@
               <a:rPr lang="zh-CN" altLang="en-US" smtClean="0"/>
               <a:t>第三级</a:t>
             </a:r>
+            <a:endParaRPr lang="zh-CN" altLang="en-US" smtClean="0"/>
           </a:p>
           <a:p>
             <a:pPr lvl="3"/>
@@ -1565,6 +1572,7 @@
               <a:rPr lang="zh-CN" altLang="en-US" smtClean="0"/>
               <a:t>第四级</a:t>
             </a:r>
+            <a:endParaRPr lang="zh-CN" altLang="en-US" smtClean="0"/>
           </a:p>
           <a:p>
             <a:pPr lvl="4"/>
@@ -1593,7 +1601,6 @@
           <a:p>
             <a:fld id="{D997B5FA-0921-464F-AAE1-844C04324D75}" type="datetimeFigureOut">
               <a:rPr lang="zh-CN" altLang="en-US" smtClean="0"/>
-              <a:t>2017/8/13</a:t>
             </a:fld>
             <a:endParaRPr lang="zh-CN" altLang="en-US"/>
           </a:p>
@@ -1618,6 +1625,7 @@
               <a:rPr lang="zh-CN" altLang="en-US"/>
               <a:t>三人开发小组</a:t>
             </a:r>
+            <a:endParaRPr lang="zh-CN" altLang="en-US"/>
           </a:p>
         </p:txBody>
       </p:sp>
@@ -1638,7 +1646,6 @@
           <a:p>
             <a:fld id="{565CE74E-AB26-4998-AD42-012C4C1AD076}" type="slidenum">
               <a:rPr lang="zh-CN" altLang="en-US" smtClean="0"/>
-              <a:t>‹#›</a:t>
             </a:fld>
             <a:endParaRPr lang="zh-CN" altLang="en-US"/>
           </a:p>
@@ -1760,6 +1767,7 @@
               <a:rPr lang="zh-CN" altLang="en-US" smtClean="0"/>
               <a:t>单击此处编辑母版文本样式</a:t>
             </a:r>
+            <a:endParaRPr lang="zh-CN" altLang="en-US" smtClean="0"/>
           </a:p>
         </p:txBody>
       </p:sp>
@@ -1788,6 +1796,7 @@
               <a:rPr lang="zh-CN" altLang="en-US" smtClean="0"/>
               <a:t>单击此处编辑母版文本样式</a:t>
             </a:r>
+            <a:endParaRPr lang="zh-CN" altLang="en-US" smtClean="0"/>
           </a:p>
           <a:p>
             <a:pPr lvl="1"/>
@@ -1795,6 +1804,7 @@
               <a:rPr lang="zh-CN" altLang="en-US" smtClean="0"/>
               <a:t>第二级</a:t>
             </a:r>
+            <a:endParaRPr lang="zh-CN" altLang="en-US" smtClean="0"/>
           </a:p>
           <a:p>
             <a:pPr lvl="2"/>
@@ -1802,6 +1812,7 @@
               <a:rPr lang="zh-CN" altLang="en-US" smtClean="0"/>
               <a:t>第三级</a:t>
             </a:r>
+            <a:endParaRPr lang="zh-CN" altLang="en-US" smtClean="0"/>
           </a:p>
           <a:p>
             <a:pPr lvl="3"/>
@@ -1809,6 +1820,7 @@
               <a:rPr lang="zh-CN" altLang="en-US" smtClean="0"/>
               <a:t>第四级</a:t>
             </a:r>
+            <a:endParaRPr lang="zh-CN" altLang="en-US" smtClean="0"/>
           </a:p>
           <a:p>
             <a:pPr lvl="4"/>
@@ -1882,6 +1894,7 @@
               <a:rPr lang="zh-CN" altLang="en-US" smtClean="0"/>
               <a:t>单击此处编辑母版文本样式</a:t>
             </a:r>
+            <a:endParaRPr lang="zh-CN" altLang="en-US" smtClean="0"/>
           </a:p>
         </p:txBody>
       </p:sp>
@@ -1910,6 +1923,7 @@
               <a:rPr lang="zh-CN" altLang="en-US" smtClean="0"/>
               <a:t>单击此处编辑母版文本样式</a:t>
             </a:r>
+            <a:endParaRPr lang="zh-CN" altLang="en-US" smtClean="0"/>
           </a:p>
           <a:p>
             <a:pPr lvl="1"/>
@@ -1917,6 +1931,7 @@
               <a:rPr lang="zh-CN" altLang="en-US" smtClean="0"/>
               <a:t>第二级</a:t>
             </a:r>
+            <a:endParaRPr lang="zh-CN" altLang="en-US" smtClean="0"/>
           </a:p>
           <a:p>
             <a:pPr lvl="2"/>
@@ -1924,6 +1939,7 @@
               <a:rPr lang="zh-CN" altLang="en-US" smtClean="0"/>
               <a:t>第三级</a:t>
             </a:r>
+            <a:endParaRPr lang="zh-CN" altLang="en-US" smtClean="0"/>
           </a:p>
           <a:p>
             <a:pPr lvl="3"/>
@@ -1931,6 +1947,7 @@
               <a:rPr lang="zh-CN" altLang="en-US" smtClean="0"/>
               <a:t>第四级</a:t>
             </a:r>
+            <a:endParaRPr lang="zh-CN" altLang="en-US" smtClean="0"/>
           </a:p>
           <a:p>
             <a:pPr lvl="4"/>
@@ -1959,7 +1976,6 @@
           <a:p>
             <a:fld id="{D997B5FA-0921-464F-AAE1-844C04324D75}" type="datetimeFigureOut">
               <a:rPr lang="zh-CN" altLang="en-US" smtClean="0"/>
-              <a:t>2017/8/13</a:t>
             </a:fld>
             <a:endParaRPr lang="zh-CN" altLang="en-US"/>
           </a:p>
@@ -1984,6 +2000,7 @@
               <a:rPr lang="zh-CN" altLang="en-US"/>
               <a:t>三人开发小组</a:t>
             </a:r>
+            <a:endParaRPr lang="zh-CN" altLang="en-US"/>
           </a:p>
         </p:txBody>
       </p:sp>
@@ -2004,7 +2021,6 @@
           <a:p>
             <a:fld id="{565CE74E-AB26-4998-AD42-012C4C1AD076}" type="slidenum">
               <a:rPr lang="zh-CN" altLang="en-US" smtClean="0"/>
-              <a:t>‹#›</a:t>
             </a:fld>
             <a:endParaRPr lang="zh-CN" altLang="en-US"/>
           </a:p>
@@ -2076,7 +2092,6 @@
           <a:p>
             <a:fld id="{D997B5FA-0921-464F-AAE1-844C04324D75}" type="datetimeFigureOut">
               <a:rPr lang="zh-CN" altLang="en-US" smtClean="0"/>
-              <a:t>2017/8/13</a:t>
             </a:fld>
             <a:endParaRPr lang="zh-CN" altLang="en-US"/>
           </a:p>
@@ -2101,6 +2116,7 @@
               <a:rPr lang="zh-CN" altLang="en-US"/>
               <a:t>三人开发小组</a:t>
             </a:r>
+            <a:endParaRPr lang="zh-CN" altLang="en-US"/>
           </a:p>
         </p:txBody>
       </p:sp>
@@ -2121,7 +2137,6 @@
           <a:p>
             <a:fld id="{565CE74E-AB26-4998-AD42-012C4C1AD076}" type="slidenum">
               <a:rPr lang="zh-CN" altLang="en-US" smtClean="0"/>
-              <a:t>‹#›</a:t>
             </a:fld>
             <a:endParaRPr lang="zh-CN" altLang="en-US"/>
           </a:p>
@@ -2170,7 +2185,6 @@
           <a:p>
             <a:fld id="{D997B5FA-0921-464F-AAE1-844C04324D75}" type="datetimeFigureOut">
               <a:rPr lang="zh-CN" altLang="en-US" smtClean="0"/>
-              <a:t>2017/8/13</a:t>
             </a:fld>
             <a:endParaRPr lang="zh-CN" altLang="en-US"/>
           </a:p>
@@ -2195,6 +2209,7 @@
               <a:rPr lang="zh-CN" altLang="en-US"/>
               <a:t>三人开发小组</a:t>
             </a:r>
+            <a:endParaRPr lang="zh-CN" altLang="en-US"/>
           </a:p>
         </p:txBody>
       </p:sp>
@@ -2215,7 +2230,6 @@
           <a:p>
             <a:fld id="{565CE74E-AB26-4998-AD42-012C4C1AD076}" type="slidenum">
               <a:rPr lang="zh-CN" altLang="en-US" smtClean="0"/>
-              <a:t>‹#›</a:t>
             </a:fld>
             <a:endParaRPr lang="zh-CN" altLang="en-US"/>
           </a:p>
@@ -2332,6 +2346,7 @@
               <a:rPr lang="zh-CN" altLang="en-US" smtClean="0"/>
               <a:t>单击此处编辑母版文本样式</a:t>
             </a:r>
+            <a:endParaRPr lang="zh-CN" altLang="en-US" smtClean="0"/>
           </a:p>
           <a:p>
             <a:pPr lvl="1"/>
@@ -2339,6 +2354,7 @@
               <a:rPr lang="zh-CN" altLang="en-US" smtClean="0"/>
               <a:t>第二级</a:t>
             </a:r>
+            <a:endParaRPr lang="zh-CN" altLang="en-US" smtClean="0"/>
           </a:p>
           <a:p>
             <a:pPr lvl="2"/>
@@ -2346,6 +2362,7 @@
               <a:rPr lang="zh-CN" altLang="en-US" smtClean="0"/>
               <a:t>第三级</a:t>
             </a:r>
+            <a:endParaRPr lang="zh-CN" altLang="en-US" smtClean="0"/>
           </a:p>
           <a:p>
             <a:pPr lvl="3"/>
@@ -2353,6 +2370,7 @@
               <a:rPr lang="zh-CN" altLang="en-US" smtClean="0"/>
               <a:t>第四级</a:t>
             </a:r>
+            <a:endParaRPr lang="zh-CN" altLang="en-US" smtClean="0"/>
           </a:p>
           <a:p>
             <a:pPr lvl="4"/>
@@ -2426,6 +2444,7 @@
               <a:rPr lang="zh-CN" altLang="en-US" smtClean="0"/>
               <a:t>单击此处编辑母版文本样式</a:t>
             </a:r>
+            <a:endParaRPr lang="zh-CN" altLang="en-US" smtClean="0"/>
           </a:p>
         </p:txBody>
       </p:sp>
@@ -2446,7 +2465,6 @@
           <a:p>
             <a:fld id="{D997B5FA-0921-464F-AAE1-844C04324D75}" type="datetimeFigureOut">
               <a:rPr lang="zh-CN" altLang="en-US" smtClean="0"/>
-              <a:t>2017/8/13</a:t>
             </a:fld>
             <a:endParaRPr lang="zh-CN" altLang="en-US"/>
           </a:p>
@@ -2471,6 +2489,7 @@
               <a:rPr lang="zh-CN" altLang="en-US"/>
               <a:t>三人开发小组</a:t>
             </a:r>
+            <a:endParaRPr lang="zh-CN" altLang="en-US"/>
           </a:p>
         </p:txBody>
       </p:sp>
@@ -2491,7 +2510,6 @@
           <a:p>
             <a:fld id="{565CE74E-AB26-4998-AD42-012C4C1AD076}" type="slidenum">
               <a:rPr lang="zh-CN" altLang="en-US" smtClean="0"/>
-              <a:t>‹#›</a:t>
             </a:fld>
             <a:endParaRPr lang="zh-CN" altLang="en-US"/>
           </a:p>
@@ -2678,6 +2696,7 @@
               <a:rPr lang="zh-CN" altLang="en-US" smtClean="0"/>
               <a:t>单击此处编辑母版文本样式</a:t>
             </a:r>
+            <a:endParaRPr lang="zh-CN" altLang="en-US" smtClean="0"/>
           </a:p>
         </p:txBody>
       </p:sp>
@@ -2698,7 +2717,6 @@
           <a:p>
             <a:fld id="{D997B5FA-0921-464F-AAE1-844C04324D75}" type="datetimeFigureOut">
               <a:rPr lang="zh-CN" altLang="en-US" smtClean="0"/>
-              <a:t>2017/8/13</a:t>
             </a:fld>
             <a:endParaRPr lang="zh-CN" altLang="en-US"/>
           </a:p>
@@ -2723,6 +2741,7 @@
               <a:rPr lang="zh-CN" altLang="en-US"/>
               <a:t>三人开发小组</a:t>
             </a:r>
+            <a:endParaRPr lang="zh-CN" altLang="en-US"/>
           </a:p>
         </p:txBody>
       </p:sp>
@@ -2743,7 +2762,6 @@
           <a:p>
             <a:fld id="{565CE74E-AB26-4998-AD42-012C4C1AD076}" type="slidenum">
               <a:rPr lang="zh-CN" altLang="en-US" smtClean="0"/>
-              <a:t>‹#›</a:t>
             </a:fld>
             <a:endParaRPr lang="zh-CN" altLang="en-US"/>
           </a:p>
@@ -2843,6 +2861,7 @@
               <a:rPr lang="zh-CN" altLang="en-US" smtClean="0"/>
               <a:t>单击此处编辑母版文本样式</a:t>
             </a:r>
+            <a:endParaRPr lang="zh-CN" altLang="en-US" smtClean="0"/>
           </a:p>
           <a:p>
             <a:pPr lvl="1"/>
@@ -2850,6 +2869,7 @@
               <a:rPr lang="zh-CN" altLang="en-US" smtClean="0"/>
               <a:t>第二级</a:t>
             </a:r>
+            <a:endParaRPr lang="zh-CN" altLang="en-US" smtClean="0"/>
           </a:p>
           <a:p>
             <a:pPr lvl="2"/>
@@ -2857,6 +2877,7 @@
               <a:rPr lang="zh-CN" altLang="en-US" smtClean="0"/>
               <a:t>第三级</a:t>
             </a:r>
+            <a:endParaRPr lang="zh-CN" altLang="en-US" smtClean="0"/>
           </a:p>
           <a:p>
             <a:pPr lvl="3"/>
@@ -2864,6 +2885,7 @@
               <a:rPr lang="zh-CN" altLang="en-US" smtClean="0"/>
               <a:t>第四级</a:t>
             </a:r>
+            <a:endParaRPr lang="zh-CN" altLang="en-US" smtClean="0"/>
           </a:p>
           <a:p>
             <a:pPr lvl="4"/>
@@ -2910,7 +2932,6 @@
           <a:p>
             <a:fld id="{D997B5FA-0921-464F-AAE1-844C04324D75}" type="datetimeFigureOut">
               <a:rPr lang="zh-CN" altLang="en-US" smtClean="0"/>
-              <a:t>2017/8/13</a:t>
             </a:fld>
             <a:endParaRPr lang="zh-CN" altLang="en-US"/>
           </a:p>
@@ -2953,6 +2974,7 @@
               <a:rPr lang="zh-CN" altLang="en-US"/>
               <a:t>三人开发小组</a:t>
             </a:r>
+            <a:endParaRPr lang="zh-CN" altLang="en-US"/>
           </a:p>
         </p:txBody>
       </p:sp>
@@ -2991,7 +3013,6 @@
           <a:p>
             <a:fld id="{565CE74E-AB26-4998-AD42-012C4C1AD076}" type="slidenum">
               <a:rPr lang="zh-CN" altLang="en-US" smtClean="0"/>
-              <a:t>‹#›</a:t>
             </a:fld>
             <a:endParaRPr lang="zh-CN" altLang="en-US"/>
           </a:p>
@@ -3396,6 +3417,11 @@
               </a:rPr>
               <a:t>1</a:t>
             </a:r>
+            <a:endParaRPr lang="en-US" altLang="zh-CN" b="1" dirty="0">
+              <a:solidFill>
+                <a:schemeClr val="bg1"/>
+              </a:solidFill>
+            </a:endParaRPr>
           </a:p>
         </p:txBody>
       </p:sp>
@@ -3479,7 +3505,7 @@
         <p:spPr>
           <a:xfrm>
             <a:off x="570230" y="427990"/>
-            <a:ext cx="4298315" cy="706755"/>
+            <a:ext cx="4298315" cy="701040"/>
           </a:xfrm>
           <a:prstGeom prst="rect">
             <a:avLst/>
@@ -3493,14 +3519,14 @@
           <a:lstStyle/>
           <a:p>
             <a:r>
-              <a:rPr lang="zh-CN" altLang="en-US" sz="4000" dirty="0" smtClean="0">
+              <a:rPr lang="zh-CN" altLang="zh-CN" sz="4000">
                 <a:solidFill>
                   <a:schemeClr val="bg1"/>
                 </a:solidFill>
               </a:rPr>
-              <a:t>概述</a:t>
-            </a:r>
-            <a:endParaRPr lang="zh-CN" altLang="zh-CN" sz="4000" dirty="0">
+              <a:t>欠款人信息</a:t>
+            </a:r>
+            <a:endParaRPr lang="zh-CN" altLang="zh-CN" sz="4000">
               <a:solidFill>
                 <a:schemeClr val="bg1"/>
               </a:solidFill>
@@ -3532,19 +3558,20 @@
               <a:rPr lang="zh-CN" altLang="en-US"/>
               <a:t>三人开发小组</a:t>
             </a:r>
-          </a:p>
-        </p:txBody>
-      </p:sp>
-      <p:sp>
-        <p:nvSpPr>
-          <p:cNvPr id="3" name="TextBox 2"/>
+            <a:endParaRPr lang="zh-CN" altLang="en-US"/>
+          </a:p>
+        </p:txBody>
+      </p:sp>
+      <p:sp>
+        <p:nvSpPr>
+          <p:cNvPr id="2" name="文本框 1"/>
           <p:cNvSpPr txBox="1"/>
           <p:nvPr/>
         </p:nvSpPr>
         <p:spPr>
           <a:xfrm>
-            <a:off x="683664" y="1504060"/>
-            <a:ext cx="8776530" cy="923330"/>
+            <a:off x="589280" y="1445895"/>
+            <a:ext cx="1578610" cy="368300"/>
           </a:xfrm>
           <a:prstGeom prst="rect">
             <a:avLst/>
@@ -3555,65 +3582,208 @@
           <a:bodyPr wrap="square" rtlCol="0">
             <a:spAutoFit/>
           </a:bodyPr>
-          <a:lstStyle/>
-          <a:p>
-            <a:r>
-              <a:rPr lang="zh-CN" altLang="en-US" dirty="0" smtClean="0"/>
-              <a:t>欠债</a:t>
-            </a:r>
-            <a:r>
-              <a:rPr lang="en-US" altLang="zh-CN" dirty="0" smtClean="0"/>
-              <a:t>NPC</a:t>
-            </a:r>
-            <a:r>
-              <a:rPr lang="zh-CN" altLang="en-US" dirty="0" smtClean="0"/>
-              <a:t>得了很严重的病，需要 玩家想办法救治，否则</a:t>
-            </a:r>
-            <a:r>
-              <a:rPr lang="en-US" altLang="zh-CN" dirty="0" smtClean="0"/>
-              <a:t>NPC</a:t>
-            </a:r>
-            <a:r>
-              <a:rPr lang="zh-CN" altLang="en-US" dirty="0" smtClean="0"/>
-              <a:t>死了钱就没有了。玩家救治好</a:t>
-            </a:r>
-            <a:r>
-              <a:rPr lang="en-US" altLang="zh-CN" dirty="0" smtClean="0"/>
-              <a:t>NPC</a:t>
-            </a:r>
-            <a:r>
-              <a:rPr lang="zh-CN" altLang="en-US" dirty="0" smtClean="0"/>
-              <a:t>后 ，没想到</a:t>
-            </a:r>
-            <a:r>
-              <a:rPr lang="en-US" altLang="zh-CN" dirty="0" smtClean="0"/>
-              <a:t>NPC</a:t>
-            </a:r>
-            <a:r>
-              <a:rPr lang="zh-CN" altLang="en-US" dirty="0" smtClean="0"/>
-              <a:t>还是不肯还钱，玩家在找解药的过程中发现</a:t>
-            </a:r>
-            <a:r>
-              <a:rPr lang="en-US" altLang="zh-CN" dirty="0" smtClean="0"/>
-              <a:t>NPC</a:t>
-            </a:r>
-            <a:r>
-              <a:rPr lang="zh-CN" altLang="en-US" dirty="0" smtClean="0"/>
-              <a:t>特别喜欢养老鼠，主角给老鼠投毒，老鼠病重。主角威胁</a:t>
-            </a:r>
-            <a:r>
-              <a:rPr lang="en-US" altLang="zh-CN" dirty="0" smtClean="0"/>
-              <a:t>NPC</a:t>
-            </a:r>
-            <a:r>
-              <a:rPr lang="zh-CN" altLang="en-US" dirty="0"/>
-              <a:t>，</a:t>
-            </a:r>
-            <a:r>
-              <a:rPr lang="zh-CN" altLang="en-US" dirty="0" smtClean="0"/>
-              <a:t>最终成功讨回钱。</a:t>
-            </a:r>
-            <a:endParaRPr lang="zh-CN" altLang="en-US" dirty="0"/>
+          <a:p>
+            <a:r>
+              <a:rPr lang="zh-CN" altLang="en-US"/>
+              <a:t>欠债人：</a:t>
+            </a:r>
+            <a:r>
+              <a:rPr lang="en-US" altLang="zh-CN"/>
+              <a:t>B</a:t>
+            </a:r>
+            <a:r>
+              <a:rPr lang="zh-CN" altLang="en-US"/>
+              <a:t>哥</a:t>
+            </a:r>
+            <a:endParaRPr lang="zh-CN" altLang="en-US"/>
+          </a:p>
+        </p:txBody>
+      </p:sp>
+      <p:sp>
+        <p:nvSpPr>
+          <p:cNvPr id="3" name="文本框 2"/>
+          <p:cNvSpPr txBox="1"/>
+          <p:nvPr/>
+        </p:nvSpPr>
+        <p:spPr>
+          <a:xfrm>
+            <a:off x="570230" y="1921510"/>
+            <a:ext cx="1578610" cy="368300"/>
+          </a:xfrm>
+          <a:prstGeom prst="rect">
+            <a:avLst/>
+          </a:prstGeom>
+          <a:noFill/>
+        </p:spPr>
+        <p:txBody>
+          <a:bodyPr wrap="square" rtlCol="0">
+            <a:spAutoFit/>
+          </a:bodyPr>
+          <a:p>
+            <a:r>
+              <a:rPr lang="zh-CN" altLang="en-US"/>
+              <a:t>欠款：</a:t>
+            </a:r>
+            <a:r>
+              <a:rPr lang="en-US" altLang="zh-CN"/>
+              <a:t>1000</a:t>
+            </a:r>
+            <a:endParaRPr lang="en-US" altLang="zh-CN"/>
+          </a:p>
+        </p:txBody>
+      </p:sp>
+      <p:sp>
+        <p:nvSpPr>
+          <p:cNvPr id="5" name="文本框 4"/>
+          <p:cNvSpPr txBox="1"/>
+          <p:nvPr/>
+        </p:nvSpPr>
+        <p:spPr>
+          <a:xfrm>
+            <a:off x="570230" y="2348865"/>
+            <a:ext cx="3375025" cy="365760"/>
+          </a:xfrm>
+          <a:prstGeom prst="rect">
+            <a:avLst/>
+          </a:prstGeom>
+          <a:noFill/>
+        </p:spPr>
+        <p:txBody>
+          <a:bodyPr wrap="square" rtlCol="0">
+            <a:spAutoFit/>
+          </a:bodyPr>
+          <a:p>
+            <a:r>
+              <a:rPr lang="zh-CN" altLang="en-US"/>
+              <a:t>欠款理由：借钱打赏女主播</a:t>
+            </a:r>
+            <a:endParaRPr lang="en-US" altLang="zh-CN"/>
+          </a:p>
+        </p:txBody>
+      </p:sp>
+      <p:sp>
+        <p:nvSpPr>
+          <p:cNvPr id="7" name="文本框 6"/>
+          <p:cNvSpPr txBox="1"/>
+          <p:nvPr/>
+        </p:nvSpPr>
+        <p:spPr>
+          <a:xfrm>
+            <a:off x="570230" y="2824480"/>
+            <a:ext cx="8700770" cy="368300"/>
+          </a:xfrm>
+          <a:prstGeom prst="rect">
+            <a:avLst/>
+          </a:prstGeom>
+          <a:noFill/>
+        </p:spPr>
+        <p:txBody>
+          <a:bodyPr wrap="square" rtlCol="0">
+            <a:spAutoFit/>
+          </a:bodyPr>
+          <a:p>
+            <a:r>
+              <a:rPr lang="zh-CN" altLang="en-US"/>
+              <a:t>欠款人家当：一只狗（</a:t>
+            </a:r>
+            <a:r>
+              <a:rPr lang="en-US" altLang="zh-CN"/>
+              <a:t>200</a:t>
+            </a:r>
+            <a:r>
+              <a:rPr lang="zh-CN" altLang="en-US"/>
+              <a:t>）</a:t>
+            </a:r>
+            <a:r>
+              <a:rPr lang="en-US" altLang="zh-CN"/>
+              <a:t>+</a:t>
+            </a:r>
+            <a:r>
+              <a:rPr lang="zh-CN" altLang="en-US"/>
+              <a:t>一台破电脑（</a:t>
+            </a:r>
+            <a:r>
+              <a:rPr lang="en-US" altLang="zh-CN"/>
+              <a:t>100</a:t>
+            </a:r>
+            <a:r>
+              <a:rPr lang="zh-CN" altLang="en-US"/>
+              <a:t>）</a:t>
+            </a:r>
+            <a:r>
+              <a:rPr lang="en-US" altLang="zh-CN"/>
+              <a:t>+</a:t>
+            </a:r>
+            <a:r>
+              <a:rPr lang="zh-CN" altLang="en-US"/>
+              <a:t>一个帐篷（</a:t>
+            </a:r>
+            <a:r>
+              <a:rPr lang="en-US" altLang="zh-CN"/>
+              <a:t>150</a:t>
+            </a:r>
+            <a:r>
+              <a:rPr lang="zh-CN" altLang="en-US"/>
+              <a:t>）</a:t>
+            </a:r>
+            <a:r>
+              <a:rPr lang="en-US" altLang="zh-CN"/>
+              <a:t>+</a:t>
+            </a:r>
+            <a:r>
+              <a:rPr lang="zh-CN" altLang="en-US"/>
+              <a:t>一盒口香糖（</a:t>
+            </a:r>
+            <a:r>
+              <a:rPr lang="en-US" altLang="zh-CN"/>
+              <a:t>5</a:t>
+            </a:r>
+            <a:r>
+              <a:rPr lang="zh-CN" altLang="en-US"/>
+              <a:t>）</a:t>
+            </a:r>
+            <a:endParaRPr lang="zh-CN" altLang="en-US"/>
+          </a:p>
+        </p:txBody>
+      </p:sp>
+      <p:sp>
+        <p:nvSpPr>
+          <p:cNvPr id="8" name="文本框 7"/>
+          <p:cNvSpPr txBox="1"/>
+          <p:nvPr/>
+        </p:nvSpPr>
+        <p:spPr>
+          <a:xfrm>
+            <a:off x="570230" y="3312795"/>
+            <a:ext cx="6494780" cy="368300"/>
+          </a:xfrm>
+          <a:prstGeom prst="rect">
+            <a:avLst/>
+          </a:prstGeom>
+          <a:noFill/>
+        </p:spPr>
+        <p:txBody>
+          <a:bodyPr wrap="square" rtlCol="0">
+            <a:spAutoFit/>
+          </a:bodyPr>
+          <a:p>
+            <a:r>
+              <a:rPr lang="zh-CN" altLang="en-US"/>
+              <a:t>还钱途径：伙同</a:t>
+            </a:r>
+            <a:r>
+              <a:rPr lang="en-US" altLang="zh-CN"/>
+              <a:t>b</a:t>
+            </a:r>
+            <a:r>
+              <a:rPr lang="zh-CN" altLang="en-US"/>
+              <a:t>哥</a:t>
+            </a:r>
+            <a:r>
+              <a:rPr lang="zh-CN" altLang="en-US"/>
+              <a:t>将狗伪装成狐狸，去骗店铺老板</a:t>
+            </a:r>
+            <a:endParaRPr lang="en-US" altLang="zh-CN"/>
           </a:p>
         </p:txBody>
       </p:sp>
@@ -3697,7 +3867,7 @@
         <p:spPr>
           <a:xfrm>
             <a:off x="570230" y="427990"/>
-            <a:ext cx="4298315" cy="706755"/>
+            <a:ext cx="4298315" cy="701040"/>
           </a:xfrm>
           <a:prstGeom prst="rect">
             <a:avLst/>
@@ -3711,13 +3881,18 @@
           <a:lstStyle/>
           <a:p>
             <a:r>
-              <a:rPr lang="zh-CN" altLang="zh-CN" sz="4000">
+              <a:rPr lang="zh-CN" altLang="en-US" sz="4000">
                 <a:solidFill>
                   <a:schemeClr val="bg1"/>
                 </a:solidFill>
               </a:rPr>
-              <a:t>标题</a:t>
-            </a:r>
+              <a:t>流程</a:t>
+            </a:r>
+            <a:endParaRPr lang="zh-CN" altLang="en-US" sz="4000">
+              <a:solidFill>
+                <a:schemeClr val="bg1"/>
+              </a:solidFill>
+            </a:endParaRPr>
           </a:p>
         </p:txBody>
       </p:sp>
@@ -3745,15 +3920,1300 @@
               <a:rPr lang="zh-CN" altLang="en-US"/>
               <a:t>三人开发小组</a:t>
             </a:r>
+            <a:endParaRPr lang="zh-CN" altLang="en-US"/>
+          </a:p>
+        </p:txBody>
+      </p:sp>
+      <p:sp>
+        <p:nvSpPr>
+          <p:cNvPr id="5" name="圆角矩形 4"/>
+          <p:cNvSpPr/>
+          <p:nvPr/>
+        </p:nvSpPr>
+        <p:spPr>
+          <a:xfrm>
+            <a:off x="570230" y="3138170"/>
+            <a:ext cx="1160780" cy="456565"/>
+          </a:xfrm>
+          <a:prstGeom prst="roundRect">
+            <a:avLst/>
+          </a:prstGeom>
+        </p:spPr>
+        <p:style>
+          <a:lnRef idx="2">
+            <a:schemeClr val="accent1">
+              <a:shade val="50000"/>
+            </a:schemeClr>
+          </a:lnRef>
+          <a:fillRef idx="1">
+            <a:schemeClr val="accent1"/>
+          </a:fillRef>
+          <a:effectRef idx="0">
+            <a:schemeClr val="accent1"/>
+          </a:effectRef>
+          <a:fontRef idx="minor">
+            <a:schemeClr val="lt1"/>
+          </a:fontRef>
+        </p:style>
+        <p:txBody>
+          <a:bodyPr rtlCol="0" anchor="ctr"/>
+          <a:p>
+            <a:pPr algn="ctr"/>
+            <a:r>
+              <a:rPr lang="zh-CN" altLang="en-US"/>
+              <a:t>找到</a:t>
+            </a:r>
+            <a:r>
+              <a:rPr lang="en-US" altLang="zh-CN"/>
+              <a:t>b</a:t>
+            </a:r>
+            <a:r>
+              <a:rPr lang="zh-CN" altLang="en-US"/>
+              <a:t>哥</a:t>
+            </a:r>
+            <a:endParaRPr lang="zh-CN" altLang="en-US"/>
+          </a:p>
+        </p:txBody>
+      </p:sp>
+      <p:sp>
+        <p:nvSpPr>
+          <p:cNvPr id="7" name="圆角矩形 6"/>
+          <p:cNvSpPr/>
+          <p:nvPr/>
+        </p:nvSpPr>
+        <p:spPr>
+          <a:xfrm>
+            <a:off x="2244090" y="3138170"/>
+            <a:ext cx="1160780" cy="456565"/>
+          </a:xfrm>
+          <a:prstGeom prst="roundRect">
+            <a:avLst/>
+          </a:prstGeom>
+        </p:spPr>
+        <p:style>
+          <a:lnRef idx="2">
+            <a:schemeClr val="accent1">
+              <a:shade val="50000"/>
+            </a:schemeClr>
+          </a:lnRef>
+          <a:fillRef idx="1">
+            <a:schemeClr val="accent1"/>
+          </a:fillRef>
+          <a:effectRef idx="0">
+            <a:schemeClr val="accent1"/>
+          </a:effectRef>
+          <a:fontRef idx="minor">
+            <a:schemeClr val="lt1"/>
+          </a:fontRef>
+        </p:style>
+        <p:txBody>
+          <a:bodyPr rtlCol="0" anchor="ctr"/>
+          <a:p>
+            <a:pPr algn="ctr"/>
+            <a:r>
+              <a:rPr lang="en-US" altLang="zh-CN"/>
+              <a:t>b</a:t>
+            </a:r>
+            <a:r>
+              <a:rPr lang="zh-CN" altLang="en-US"/>
+              <a:t>哥没钱</a:t>
+            </a:r>
+            <a:endParaRPr lang="zh-CN" altLang="en-US"/>
+          </a:p>
+        </p:txBody>
+      </p:sp>
+      <p:sp>
+        <p:nvSpPr>
+          <p:cNvPr id="8" name="圆角矩形 7"/>
+          <p:cNvSpPr/>
+          <p:nvPr/>
+        </p:nvSpPr>
+        <p:spPr>
+          <a:xfrm>
+            <a:off x="3860800" y="3138170"/>
+            <a:ext cx="1160780" cy="456565"/>
+          </a:xfrm>
+          <a:prstGeom prst="roundRect">
+            <a:avLst/>
+          </a:prstGeom>
+        </p:spPr>
+        <p:style>
+          <a:lnRef idx="2">
+            <a:schemeClr val="accent1">
+              <a:shade val="50000"/>
+            </a:schemeClr>
+          </a:lnRef>
+          <a:fillRef idx="1">
+            <a:schemeClr val="accent1"/>
+          </a:fillRef>
+          <a:effectRef idx="0">
+            <a:schemeClr val="accent1"/>
+          </a:effectRef>
+          <a:fontRef idx="minor">
+            <a:schemeClr val="lt1"/>
+          </a:fontRef>
+        </p:style>
+        <p:txBody>
+          <a:bodyPr rtlCol="0" anchor="ctr"/>
+          <a:p>
+            <a:pPr algn="ctr"/>
+            <a:r>
+              <a:rPr lang="zh-CN" altLang="en-US" sz="1400"/>
+              <a:t>建议卖狗骗商店老板</a:t>
+            </a:r>
+            <a:endParaRPr lang="zh-CN" altLang="en-US" sz="1400"/>
+          </a:p>
+        </p:txBody>
+      </p:sp>
+      <p:sp>
+        <p:nvSpPr>
+          <p:cNvPr id="10" name="圆角矩形 9"/>
+          <p:cNvSpPr/>
+          <p:nvPr/>
+        </p:nvSpPr>
+        <p:spPr>
+          <a:xfrm>
+            <a:off x="5582285" y="2339340"/>
+            <a:ext cx="1160780" cy="456565"/>
+          </a:xfrm>
+          <a:prstGeom prst="roundRect">
+            <a:avLst/>
+          </a:prstGeom>
+        </p:spPr>
+        <p:style>
+          <a:lnRef idx="2">
+            <a:schemeClr val="accent1">
+              <a:shade val="50000"/>
+            </a:schemeClr>
+          </a:lnRef>
+          <a:fillRef idx="1">
+            <a:schemeClr val="accent1"/>
+          </a:fillRef>
+          <a:effectRef idx="0">
+            <a:schemeClr val="accent1"/>
+          </a:effectRef>
+          <a:fontRef idx="minor">
+            <a:schemeClr val="lt1"/>
+          </a:fontRef>
+        </p:style>
+        <p:txBody>
+          <a:bodyPr rtlCol="0" anchor="ctr"/>
+          <a:p>
+            <a:pPr algn="ctr"/>
+            <a:r>
+              <a:rPr lang="zh-CN" altLang="en-US"/>
+              <a:t>找狗</a:t>
+            </a:r>
+            <a:endParaRPr lang="zh-CN" altLang="en-US"/>
+          </a:p>
+        </p:txBody>
+      </p:sp>
+      <p:sp>
+        <p:nvSpPr>
+          <p:cNvPr id="11" name="圆角矩形 10"/>
+          <p:cNvSpPr/>
+          <p:nvPr/>
+        </p:nvSpPr>
+        <p:spPr>
+          <a:xfrm>
+            <a:off x="5582285" y="3756660"/>
+            <a:ext cx="1160780" cy="456565"/>
+          </a:xfrm>
+          <a:prstGeom prst="roundRect">
+            <a:avLst/>
+          </a:prstGeom>
+        </p:spPr>
+        <p:style>
+          <a:lnRef idx="2">
+            <a:schemeClr val="accent1">
+              <a:shade val="50000"/>
+            </a:schemeClr>
+          </a:lnRef>
+          <a:fillRef idx="1">
+            <a:schemeClr val="accent1"/>
+          </a:fillRef>
+          <a:effectRef idx="0">
+            <a:schemeClr val="accent1"/>
+          </a:effectRef>
+          <a:fontRef idx="minor">
+            <a:schemeClr val="lt1"/>
+          </a:fontRef>
+        </p:style>
+        <p:txBody>
+          <a:bodyPr rtlCol="0" anchor="ctr"/>
+          <a:p>
+            <a:pPr algn="ctr"/>
+            <a:r>
+              <a:rPr lang="zh-CN" altLang="en-US"/>
+              <a:t>找到电脑</a:t>
+            </a:r>
+            <a:endParaRPr lang="zh-CN" altLang="en-US"/>
+          </a:p>
+        </p:txBody>
+      </p:sp>
+      <p:cxnSp>
+        <p:nvCxnSpPr>
+          <p:cNvPr id="12" name="直接箭头连接符 11"/>
+          <p:cNvCxnSpPr>
+            <a:stCxn id="8" idx="3"/>
+            <a:endCxn id="10" idx="1"/>
+          </p:cNvCxnSpPr>
+          <p:nvPr/>
+        </p:nvCxnSpPr>
+        <p:spPr>
+          <a:xfrm flipV="1">
+            <a:off x="5021580" y="2567940"/>
+            <a:ext cx="560705" cy="798830"/>
+          </a:xfrm>
+          <a:prstGeom prst="straightConnector1">
+            <a:avLst/>
+          </a:prstGeom>
+          <a:ln>
+            <a:tailEnd type="arrow"/>
+          </a:ln>
+        </p:spPr>
+        <p:style>
+          <a:lnRef idx="1">
+            <a:schemeClr val="accent1"/>
+          </a:lnRef>
+          <a:fillRef idx="0">
+            <a:schemeClr val="accent1"/>
+          </a:fillRef>
+          <a:effectRef idx="0">
+            <a:schemeClr val="accent1"/>
+          </a:effectRef>
+          <a:fontRef idx="minor">
+            <a:schemeClr val="tx1"/>
+          </a:fontRef>
+        </p:style>
+      </p:cxnSp>
+      <p:cxnSp>
+        <p:nvCxnSpPr>
+          <p:cNvPr id="13" name="直接箭头连接符 12"/>
+          <p:cNvCxnSpPr>
+            <a:endCxn id="11" idx="1"/>
+          </p:cNvCxnSpPr>
+          <p:nvPr/>
+        </p:nvCxnSpPr>
+        <p:spPr>
+          <a:xfrm>
+            <a:off x="5011420" y="3338195"/>
+            <a:ext cx="570865" cy="647065"/>
+          </a:xfrm>
+          <a:prstGeom prst="straightConnector1">
+            <a:avLst/>
+          </a:prstGeom>
+          <a:ln>
+            <a:tailEnd type="arrow"/>
+          </a:ln>
+        </p:spPr>
+        <p:style>
+          <a:lnRef idx="1">
+            <a:schemeClr val="accent1"/>
+          </a:lnRef>
+          <a:fillRef idx="0">
+            <a:schemeClr val="accent1"/>
+          </a:fillRef>
+          <a:effectRef idx="0">
+            <a:schemeClr val="accent1"/>
+          </a:effectRef>
+          <a:fontRef idx="minor">
+            <a:schemeClr val="tx1"/>
+          </a:fontRef>
+        </p:style>
+      </p:cxnSp>
+      <p:sp>
+        <p:nvSpPr>
+          <p:cNvPr id="14" name="文本框 13"/>
+          <p:cNvSpPr txBox="1"/>
+          <p:nvPr/>
+        </p:nvSpPr>
+        <p:spPr>
+          <a:xfrm>
+            <a:off x="5021580" y="2625090"/>
+            <a:ext cx="276225" cy="365760"/>
+          </a:xfrm>
+          <a:prstGeom prst="rect">
+            <a:avLst/>
+          </a:prstGeom>
+          <a:noFill/>
+        </p:spPr>
+        <p:txBody>
+          <a:bodyPr wrap="square" rtlCol="0">
+            <a:spAutoFit/>
+          </a:bodyPr>
+          <a:p>
+            <a:r>
+              <a:rPr lang="zh-CN" altLang="en-US"/>
+              <a:t>是</a:t>
+            </a:r>
+            <a:endParaRPr lang="zh-CN" altLang="en-US"/>
+          </a:p>
+        </p:txBody>
+      </p:sp>
+      <p:cxnSp>
+        <p:nvCxnSpPr>
+          <p:cNvPr id="15" name="直接箭头连接符 14"/>
+          <p:cNvCxnSpPr>
+            <a:stCxn id="5" idx="3"/>
+            <a:endCxn id="7" idx="1"/>
+          </p:cNvCxnSpPr>
+          <p:nvPr/>
+        </p:nvCxnSpPr>
+        <p:spPr>
+          <a:xfrm>
+            <a:off x="1731010" y="3366770"/>
+            <a:ext cx="513080" cy="0"/>
+          </a:xfrm>
+          <a:prstGeom prst="straightConnector1">
+            <a:avLst/>
+          </a:prstGeom>
+          <a:ln>
+            <a:tailEnd type="arrow"/>
+          </a:ln>
+        </p:spPr>
+        <p:style>
+          <a:lnRef idx="1">
+            <a:schemeClr val="accent1"/>
+          </a:lnRef>
+          <a:fillRef idx="0">
+            <a:schemeClr val="accent1"/>
+          </a:fillRef>
+          <a:effectRef idx="0">
+            <a:schemeClr val="accent1"/>
+          </a:effectRef>
+          <a:fontRef idx="minor">
+            <a:schemeClr val="tx1"/>
+          </a:fontRef>
+        </p:style>
+      </p:cxnSp>
+      <p:cxnSp>
+        <p:nvCxnSpPr>
+          <p:cNvPr id="16" name="直接箭头连接符 15"/>
+          <p:cNvCxnSpPr/>
+          <p:nvPr/>
+        </p:nvCxnSpPr>
+        <p:spPr>
+          <a:xfrm>
+            <a:off x="3347720" y="3366770"/>
+            <a:ext cx="513080" cy="0"/>
+          </a:xfrm>
+          <a:prstGeom prst="straightConnector1">
+            <a:avLst/>
+          </a:prstGeom>
+          <a:ln>
+            <a:tailEnd type="arrow"/>
+          </a:ln>
+        </p:spPr>
+        <p:style>
+          <a:lnRef idx="1">
+            <a:schemeClr val="accent1"/>
+          </a:lnRef>
+          <a:fillRef idx="0">
+            <a:schemeClr val="accent1"/>
+          </a:fillRef>
+          <a:effectRef idx="0">
+            <a:schemeClr val="accent1"/>
+          </a:effectRef>
+          <a:fontRef idx="minor">
+            <a:schemeClr val="tx1"/>
+          </a:fontRef>
+        </p:style>
+      </p:cxnSp>
+      <p:sp>
+        <p:nvSpPr>
+          <p:cNvPr id="17" name="文本框 16"/>
+          <p:cNvSpPr txBox="1"/>
+          <p:nvPr/>
+        </p:nvSpPr>
+        <p:spPr>
+          <a:xfrm>
+            <a:off x="5021580" y="3756660"/>
+            <a:ext cx="276225" cy="365760"/>
+          </a:xfrm>
+          <a:prstGeom prst="rect">
+            <a:avLst/>
+          </a:prstGeom>
+          <a:noFill/>
+        </p:spPr>
+        <p:txBody>
+          <a:bodyPr wrap="square" rtlCol="0">
+            <a:spAutoFit/>
+          </a:bodyPr>
+          <a:p>
+            <a:r>
+              <a:rPr lang="zh-CN" altLang="zh-CN"/>
+              <a:t>否</a:t>
+            </a:r>
+            <a:endParaRPr lang="zh-CN" altLang="zh-CN"/>
+          </a:p>
+        </p:txBody>
+      </p:sp>
+      <p:sp>
+        <p:nvSpPr>
+          <p:cNvPr id="18" name="圆角矩形 17"/>
+          <p:cNvSpPr/>
+          <p:nvPr/>
+        </p:nvSpPr>
+        <p:spPr>
+          <a:xfrm>
+            <a:off x="7399020" y="2339340"/>
+            <a:ext cx="1160780" cy="456565"/>
+          </a:xfrm>
+          <a:prstGeom prst="roundRect">
+            <a:avLst/>
+          </a:prstGeom>
+        </p:spPr>
+        <p:style>
+          <a:lnRef idx="2">
+            <a:schemeClr val="accent1">
+              <a:shade val="50000"/>
+            </a:schemeClr>
+          </a:lnRef>
+          <a:fillRef idx="1">
+            <a:schemeClr val="accent1"/>
+          </a:fillRef>
+          <a:effectRef idx="0">
+            <a:schemeClr val="accent1"/>
+          </a:effectRef>
+          <a:fontRef idx="minor">
+            <a:schemeClr val="lt1"/>
+          </a:fontRef>
+        </p:style>
+        <p:txBody>
+          <a:bodyPr rtlCol="0" anchor="ctr"/>
+          <a:p>
+            <a:pPr algn="ctr"/>
+            <a:r>
+              <a:rPr lang="zh-CN" altLang="en-US"/>
+              <a:t>给狗理发</a:t>
+            </a:r>
+            <a:endParaRPr lang="zh-CN" altLang="en-US"/>
+          </a:p>
+        </p:txBody>
+      </p:sp>
+      <p:sp>
+        <p:nvSpPr>
+          <p:cNvPr id="19" name="圆角矩形 18"/>
+          <p:cNvSpPr/>
+          <p:nvPr/>
+        </p:nvSpPr>
+        <p:spPr>
+          <a:xfrm>
+            <a:off x="7399020" y="3756660"/>
+            <a:ext cx="1160780" cy="456565"/>
+          </a:xfrm>
+          <a:prstGeom prst="roundRect">
+            <a:avLst/>
+          </a:prstGeom>
+        </p:spPr>
+        <p:style>
+          <a:lnRef idx="2">
+            <a:schemeClr val="accent1">
+              <a:shade val="50000"/>
+            </a:schemeClr>
+          </a:lnRef>
+          <a:fillRef idx="1">
+            <a:schemeClr val="accent1"/>
+          </a:fillRef>
+          <a:effectRef idx="0">
+            <a:schemeClr val="accent1"/>
+          </a:effectRef>
+          <a:fontRef idx="minor">
+            <a:schemeClr val="lt1"/>
+          </a:fontRef>
+        </p:style>
+        <p:txBody>
+          <a:bodyPr rtlCol="0" anchor="ctr"/>
+          <a:p>
+            <a:pPr algn="ctr"/>
+            <a:r>
+              <a:rPr lang="zh-CN" altLang="en-US"/>
+              <a:t>男扮女装</a:t>
+            </a:r>
+            <a:endParaRPr lang="zh-CN" altLang="en-US"/>
+          </a:p>
+        </p:txBody>
+      </p:sp>
+      <p:sp>
+        <p:nvSpPr>
+          <p:cNvPr id="20" name="圆角矩形 19"/>
+          <p:cNvSpPr/>
+          <p:nvPr/>
+        </p:nvSpPr>
+        <p:spPr>
+          <a:xfrm>
+            <a:off x="9177020" y="2339340"/>
+            <a:ext cx="1160780" cy="456565"/>
+          </a:xfrm>
+          <a:prstGeom prst="roundRect">
+            <a:avLst/>
+          </a:prstGeom>
+        </p:spPr>
+        <p:style>
+          <a:lnRef idx="2">
+            <a:schemeClr val="accent1">
+              <a:shade val="50000"/>
+            </a:schemeClr>
+          </a:lnRef>
+          <a:fillRef idx="1">
+            <a:schemeClr val="accent1"/>
+          </a:fillRef>
+          <a:effectRef idx="0">
+            <a:schemeClr val="accent1"/>
+          </a:effectRef>
+          <a:fontRef idx="minor">
+            <a:schemeClr val="lt1"/>
+          </a:fontRef>
+        </p:style>
+        <p:txBody>
+          <a:bodyPr rtlCol="0" anchor="ctr"/>
+          <a:p>
+            <a:pPr algn="ctr"/>
+            <a:r>
+              <a:rPr lang="zh-CN" altLang="en-US"/>
+              <a:t>欺骗老板</a:t>
+            </a:r>
+            <a:endParaRPr lang="zh-CN" altLang="en-US"/>
+          </a:p>
+        </p:txBody>
+      </p:sp>
+      <p:sp>
+        <p:nvSpPr>
+          <p:cNvPr id="21" name="圆角矩形 20"/>
+          <p:cNvSpPr/>
+          <p:nvPr/>
+        </p:nvSpPr>
+        <p:spPr>
+          <a:xfrm>
+            <a:off x="9177020" y="3756660"/>
+            <a:ext cx="1160780" cy="456565"/>
+          </a:xfrm>
+          <a:prstGeom prst="roundRect">
+            <a:avLst/>
+          </a:prstGeom>
+        </p:spPr>
+        <p:style>
+          <a:lnRef idx="2">
+            <a:schemeClr val="accent1">
+              <a:shade val="50000"/>
+            </a:schemeClr>
+          </a:lnRef>
+          <a:fillRef idx="1">
+            <a:schemeClr val="accent1"/>
+          </a:fillRef>
+          <a:effectRef idx="0">
+            <a:schemeClr val="accent1"/>
+          </a:effectRef>
+          <a:fontRef idx="minor">
+            <a:schemeClr val="lt1"/>
+          </a:fontRef>
+        </p:style>
+        <p:txBody>
+          <a:bodyPr rtlCol="0" anchor="ctr"/>
+          <a:p>
+            <a:pPr algn="ctr"/>
+            <a:r>
+              <a:rPr lang="zh-CN" altLang="en-US"/>
+              <a:t>扮女主播</a:t>
+            </a:r>
+            <a:endParaRPr lang="zh-CN" altLang="en-US"/>
+          </a:p>
+        </p:txBody>
+      </p:sp>
+      <p:cxnSp>
+        <p:nvCxnSpPr>
+          <p:cNvPr id="22" name="直接箭头连接符 21"/>
+          <p:cNvCxnSpPr/>
+          <p:nvPr/>
+        </p:nvCxnSpPr>
+        <p:spPr>
+          <a:xfrm>
+            <a:off x="6814185" y="2567305"/>
+            <a:ext cx="513080" cy="0"/>
+          </a:xfrm>
+          <a:prstGeom prst="straightConnector1">
+            <a:avLst/>
+          </a:prstGeom>
+          <a:ln>
+            <a:tailEnd type="arrow"/>
+          </a:ln>
+        </p:spPr>
+        <p:style>
+          <a:lnRef idx="1">
+            <a:schemeClr val="accent1"/>
+          </a:lnRef>
+          <a:fillRef idx="0">
+            <a:schemeClr val="accent1"/>
+          </a:fillRef>
+          <a:effectRef idx="0">
+            <a:schemeClr val="accent1"/>
+          </a:effectRef>
+          <a:fontRef idx="minor">
+            <a:schemeClr val="tx1"/>
+          </a:fontRef>
+        </p:style>
+      </p:cxnSp>
+      <p:cxnSp>
+        <p:nvCxnSpPr>
+          <p:cNvPr id="23" name="直接箭头连接符 22"/>
+          <p:cNvCxnSpPr/>
+          <p:nvPr/>
+        </p:nvCxnSpPr>
+        <p:spPr>
+          <a:xfrm>
+            <a:off x="8559800" y="2567940"/>
+            <a:ext cx="513080" cy="0"/>
+          </a:xfrm>
+          <a:prstGeom prst="straightConnector1">
+            <a:avLst/>
+          </a:prstGeom>
+          <a:ln>
+            <a:tailEnd type="arrow"/>
+          </a:ln>
+        </p:spPr>
+        <p:style>
+          <a:lnRef idx="1">
+            <a:schemeClr val="accent1"/>
+          </a:lnRef>
+          <a:fillRef idx="0">
+            <a:schemeClr val="accent1"/>
+          </a:fillRef>
+          <a:effectRef idx="0">
+            <a:schemeClr val="accent1"/>
+          </a:effectRef>
+          <a:fontRef idx="minor">
+            <a:schemeClr val="tx1"/>
+          </a:fontRef>
+        </p:style>
+      </p:cxnSp>
+      <p:cxnSp>
+        <p:nvCxnSpPr>
+          <p:cNvPr id="24" name="直接箭头连接符 23"/>
+          <p:cNvCxnSpPr/>
+          <p:nvPr/>
+        </p:nvCxnSpPr>
+        <p:spPr>
+          <a:xfrm>
+            <a:off x="8559800" y="4041775"/>
+            <a:ext cx="513080" cy="0"/>
+          </a:xfrm>
+          <a:prstGeom prst="straightConnector1">
+            <a:avLst/>
+          </a:prstGeom>
+          <a:ln>
+            <a:tailEnd type="arrow"/>
+          </a:ln>
+        </p:spPr>
+        <p:style>
+          <a:lnRef idx="1">
+            <a:schemeClr val="accent1"/>
+          </a:lnRef>
+          <a:fillRef idx="0">
+            <a:schemeClr val="accent1"/>
+          </a:fillRef>
+          <a:effectRef idx="0">
+            <a:schemeClr val="accent1"/>
+          </a:effectRef>
+          <a:fontRef idx="minor">
+            <a:schemeClr val="tx1"/>
+          </a:fontRef>
+        </p:style>
+      </p:cxnSp>
+      <p:cxnSp>
+        <p:nvCxnSpPr>
+          <p:cNvPr id="25" name="直接箭头连接符 24"/>
+          <p:cNvCxnSpPr/>
+          <p:nvPr/>
+        </p:nvCxnSpPr>
+        <p:spPr>
+          <a:xfrm>
+            <a:off x="6814185" y="4041775"/>
+            <a:ext cx="513080" cy="0"/>
+          </a:xfrm>
+          <a:prstGeom prst="straightConnector1">
+            <a:avLst/>
+          </a:prstGeom>
+          <a:ln>
+            <a:tailEnd type="arrow"/>
+          </a:ln>
+        </p:spPr>
+        <p:style>
+          <a:lnRef idx="1">
+            <a:schemeClr val="accent1"/>
+          </a:lnRef>
+          <a:fillRef idx="0">
+            <a:schemeClr val="accent1"/>
+          </a:fillRef>
+          <a:effectRef idx="0">
+            <a:schemeClr val="accent1"/>
+          </a:effectRef>
+          <a:fontRef idx="minor">
+            <a:schemeClr val="tx1"/>
+          </a:fontRef>
+        </p:style>
+      </p:cxnSp>
+      <p:cxnSp>
+        <p:nvCxnSpPr>
+          <p:cNvPr id="26" name="直接连接符 25"/>
+          <p:cNvCxnSpPr/>
+          <p:nvPr/>
+        </p:nvCxnSpPr>
+        <p:spPr>
+          <a:xfrm>
+            <a:off x="3656965" y="1571625"/>
+            <a:ext cx="0" cy="4584065"/>
+          </a:xfrm>
+          <a:prstGeom prst="line">
+            <a:avLst/>
+          </a:prstGeom>
+          <a:ln>
+            <a:prstDash val="dashDot"/>
+          </a:ln>
+        </p:spPr>
+        <p:style>
+          <a:lnRef idx="1">
+            <a:schemeClr val="accent1"/>
+          </a:lnRef>
+          <a:fillRef idx="0">
+            <a:schemeClr val="accent1"/>
+          </a:fillRef>
+          <a:effectRef idx="0">
+            <a:schemeClr val="accent1"/>
+          </a:effectRef>
+          <a:fontRef idx="minor">
+            <a:schemeClr val="tx1"/>
+          </a:fontRef>
+        </p:style>
+      </p:cxnSp>
+      <p:cxnSp>
+        <p:nvCxnSpPr>
+          <p:cNvPr id="27" name="直接连接符 26"/>
+          <p:cNvCxnSpPr/>
+          <p:nvPr/>
+        </p:nvCxnSpPr>
+        <p:spPr>
+          <a:xfrm>
+            <a:off x="7014210" y="1571625"/>
+            <a:ext cx="0" cy="4584065"/>
+          </a:xfrm>
+          <a:prstGeom prst="line">
+            <a:avLst/>
+          </a:prstGeom>
+          <a:ln>
+            <a:prstDash val="dashDot"/>
+          </a:ln>
+        </p:spPr>
+        <p:style>
+          <a:lnRef idx="1">
+            <a:schemeClr val="accent1"/>
+          </a:lnRef>
+          <a:fillRef idx="0">
+            <a:schemeClr val="accent1"/>
+          </a:fillRef>
+          <a:effectRef idx="0">
+            <a:schemeClr val="accent1"/>
+          </a:effectRef>
+          <a:fontRef idx="minor">
+            <a:schemeClr val="tx1"/>
+          </a:fontRef>
+        </p:style>
+      </p:cxnSp>
+      <p:cxnSp>
+        <p:nvCxnSpPr>
+          <p:cNvPr id="28" name="直接连接符 27"/>
+          <p:cNvCxnSpPr/>
+          <p:nvPr/>
+        </p:nvCxnSpPr>
+        <p:spPr>
+          <a:xfrm>
+            <a:off x="8816340" y="1571625"/>
+            <a:ext cx="0" cy="4584065"/>
+          </a:xfrm>
+          <a:prstGeom prst="line">
+            <a:avLst/>
+          </a:prstGeom>
+          <a:ln>
+            <a:prstDash val="dashDot"/>
+          </a:ln>
+        </p:spPr>
+        <p:style>
+          <a:lnRef idx="1">
+            <a:schemeClr val="accent1"/>
+          </a:lnRef>
+          <a:fillRef idx="0">
+            <a:schemeClr val="accent1"/>
+          </a:fillRef>
+          <a:effectRef idx="0">
+            <a:schemeClr val="accent1"/>
+          </a:effectRef>
+          <a:fontRef idx="minor">
+            <a:schemeClr val="tx1"/>
+          </a:fontRef>
+        </p:style>
+      </p:cxnSp>
+      <p:sp>
+        <p:nvSpPr>
+          <p:cNvPr id="29" name="文本框 28"/>
+          <p:cNvSpPr txBox="1"/>
+          <p:nvPr/>
+        </p:nvSpPr>
+        <p:spPr>
+          <a:xfrm>
+            <a:off x="7014210" y="4786630"/>
+            <a:ext cx="2225675" cy="368300"/>
+          </a:xfrm>
+          <a:prstGeom prst="rect">
+            <a:avLst/>
+          </a:prstGeom>
+          <a:noFill/>
+        </p:spPr>
+        <p:txBody>
+          <a:bodyPr wrap="square" rtlCol="0">
+            <a:spAutoFit/>
+          </a:bodyPr>
+          <a:p>
+            <a:r>
+              <a:rPr lang="en-US" altLang="zh-CN"/>
+              <a:t>NPC1</a:t>
+            </a:r>
+            <a:r>
+              <a:rPr lang="zh-CN" altLang="en-US"/>
+              <a:t>：提供假发</a:t>
+            </a:r>
+            <a:endParaRPr lang="zh-CN" altLang="en-US"/>
+          </a:p>
+        </p:txBody>
+      </p:sp>
+      <p:sp>
+        <p:nvSpPr>
+          <p:cNvPr id="30" name="文本框 29"/>
+          <p:cNvSpPr txBox="1"/>
+          <p:nvPr/>
+        </p:nvSpPr>
+        <p:spPr>
+          <a:xfrm>
+            <a:off x="570230" y="5554345"/>
+            <a:ext cx="2225675" cy="368300"/>
+          </a:xfrm>
+          <a:prstGeom prst="rect">
+            <a:avLst/>
+          </a:prstGeom>
+          <a:noFill/>
+        </p:spPr>
+        <p:txBody>
+          <a:bodyPr wrap="square" rtlCol="0">
+            <a:spAutoFit/>
+          </a:bodyPr>
+          <a:p>
+            <a:r>
+              <a:rPr lang="en-US" altLang="zh-CN"/>
+              <a:t>NPC2</a:t>
+            </a:r>
+            <a:r>
+              <a:rPr lang="zh-CN" altLang="en-US"/>
+              <a:t>：提供线索</a:t>
+            </a:r>
+            <a:endParaRPr lang="zh-CN" altLang="en-US"/>
+          </a:p>
+        </p:txBody>
+      </p:sp>
+      <p:sp>
+        <p:nvSpPr>
+          <p:cNvPr id="31" name="文本框 30"/>
+          <p:cNvSpPr txBox="1"/>
+          <p:nvPr/>
+        </p:nvSpPr>
+        <p:spPr>
+          <a:xfrm>
+            <a:off x="4046855" y="1664335"/>
+            <a:ext cx="2225675" cy="368300"/>
+          </a:xfrm>
+          <a:prstGeom prst="rect">
+            <a:avLst/>
+          </a:prstGeom>
+          <a:noFill/>
+        </p:spPr>
+        <p:txBody>
+          <a:bodyPr wrap="square" rtlCol="0">
+            <a:spAutoFit/>
+          </a:bodyPr>
+          <a:p>
+            <a:r>
+              <a:rPr lang="en-US" altLang="zh-CN"/>
+              <a:t>NPC3</a:t>
+            </a:r>
+            <a:r>
+              <a:rPr lang="zh-CN" altLang="en-US"/>
+              <a:t>：抓狗</a:t>
+            </a:r>
+            <a:r>
+              <a:rPr lang="en-US" altLang="zh-CN"/>
+              <a:t>NPC</a:t>
+            </a:r>
+            <a:endParaRPr lang="en-US" altLang="zh-CN"/>
+          </a:p>
+        </p:txBody>
+      </p:sp>
+      <p:sp>
+        <p:nvSpPr>
+          <p:cNvPr id="32" name="文本框 31"/>
+          <p:cNvSpPr txBox="1"/>
+          <p:nvPr/>
+        </p:nvSpPr>
+        <p:spPr>
+          <a:xfrm>
+            <a:off x="570230" y="4726940"/>
+            <a:ext cx="2225675" cy="368300"/>
+          </a:xfrm>
+          <a:prstGeom prst="rect">
+            <a:avLst/>
+          </a:prstGeom>
+          <a:noFill/>
+        </p:spPr>
+        <p:txBody>
+          <a:bodyPr wrap="square" rtlCol="0">
+            <a:spAutoFit/>
+          </a:bodyPr>
+          <a:p>
+            <a:r>
+              <a:rPr lang="en-US" altLang="zh-CN"/>
+              <a:t>B</a:t>
+            </a:r>
+            <a:r>
+              <a:rPr lang="zh-CN" altLang="en-US"/>
+              <a:t>哥</a:t>
+            </a:r>
+            <a:r>
+              <a:rPr lang="zh-CN" altLang="en-US"/>
+              <a:t>：欠债者</a:t>
+            </a:r>
+            <a:endParaRPr lang="zh-CN" altLang="en-US"/>
+          </a:p>
+        </p:txBody>
+      </p:sp>
+      <p:sp>
+        <p:nvSpPr>
+          <p:cNvPr id="33" name="文本框 32"/>
+          <p:cNvSpPr txBox="1"/>
+          <p:nvPr/>
+        </p:nvSpPr>
+        <p:spPr>
+          <a:xfrm>
+            <a:off x="7014210" y="1664335"/>
+            <a:ext cx="2225675" cy="368300"/>
+          </a:xfrm>
+          <a:prstGeom prst="rect">
+            <a:avLst/>
+          </a:prstGeom>
+          <a:noFill/>
+        </p:spPr>
+        <p:txBody>
+          <a:bodyPr wrap="square" rtlCol="0">
+            <a:spAutoFit/>
+          </a:bodyPr>
+          <a:p>
+            <a:r>
+              <a:rPr lang="en-US" altLang="zh-CN"/>
+              <a:t>NPC4</a:t>
+            </a:r>
+            <a:r>
+              <a:rPr lang="zh-CN" altLang="en-US"/>
+              <a:t>：狗理发</a:t>
+            </a:r>
+            <a:endParaRPr lang="en-US" altLang="zh-CN"/>
+          </a:p>
+        </p:txBody>
+      </p:sp>
+      <p:sp>
+        <p:nvSpPr>
+          <p:cNvPr id="34" name="文本框 33"/>
+          <p:cNvSpPr txBox="1"/>
+          <p:nvPr/>
+        </p:nvSpPr>
+        <p:spPr>
+          <a:xfrm>
+            <a:off x="8878570" y="1664335"/>
+            <a:ext cx="2225675" cy="368300"/>
+          </a:xfrm>
+          <a:prstGeom prst="rect">
+            <a:avLst/>
+          </a:prstGeom>
+          <a:noFill/>
+        </p:spPr>
+        <p:txBody>
+          <a:bodyPr wrap="square" rtlCol="0">
+            <a:spAutoFit/>
+          </a:bodyPr>
+          <a:p>
+            <a:r>
+              <a:rPr lang="en-US" altLang="zh-CN"/>
+              <a:t>NPC5</a:t>
+            </a:r>
+            <a:r>
+              <a:rPr lang="zh-CN" altLang="en-US"/>
+              <a:t>：商店老板</a:t>
+            </a:r>
+            <a:endParaRPr lang="en-US" altLang="zh-CN"/>
+          </a:p>
+        </p:txBody>
+      </p:sp>
+      <p:sp>
+        <p:nvSpPr>
+          <p:cNvPr id="35" name="文本框 34"/>
+          <p:cNvSpPr txBox="1"/>
+          <p:nvPr/>
+        </p:nvSpPr>
+        <p:spPr>
+          <a:xfrm>
+            <a:off x="570230" y="5154930"/>
+            <a:ext cx="2225675" cy="368300"/>
+          </a:xfrm>
+          <a:prstGeom prst="rect">
+            <a:avLst/>
+          </a:prstGeom>
+          <a:noFill/>
+        </p:spPr>
+        <p:txBody>
+          <a:bodyPr wrap="square" rtlCol="0">
+            <a:spAutoFit/>
+          </a:bodyPr>
+          <a:p>
+            <a:r>
+              <a:rPr lang="en-US" altLang="zh-CN"/>
+              <a:t>NPC1</a:t>
+            </a:r>
+            <a:r>
+              <a:rPr lang="zh-CN" altLang="en-US"/>
+              <a:t>：提供线索</a:t>
+            </a:r>
+            <a:endParaRPr lang="zh-CN" altLang="en-US"/>
+          </a:p>
+        </p:txBody>
+      </p:sp>
+      <p:sp>
+        <p:nvSpPr>
+          <p:cNvPr id="36" name="圆角矩形 35"/>
+          <p:cNvSpPr/>
+          <p:nvPr/>
+        </p:nvSpPr>
+        <p:spPr>
+          <a:xfrm>
+            <a:off x="10803255" y="3138170"/>
+            <a:ext cx="1160780" cy="456565"/>
+          </a:xfrm>
+          <a:prstGeom prst="roundRect">
+            <a:avLst/>
+          </a:prstGeom>
+        </p:spPr>
+        <p:style>
+          <a:lnRef idx="2">
+            <a:schemeClr val="accent1">
+              <a:shade val="50000"/>
+            </a:schemeClr>
+          </a:lnRef>
+          <a:fillRef idx="1">
+            <a:schemeClr val="accent1"/>
+          </a:fillRef>
+          <a:effectRef idx="0">
+            <a:schemeClr val="accent1"/>
+          </a:effectRef>
+          <a:fontRef idx="minor">
+            <a:schemeClr val="lt1"/>
+          </a:fontRef>
+        </p:style>
+        <p:txBody>
+          <a:bodyPr rtlCol="0" anchor="ctr"/>
+          <a:p>
+            <a:pPr algn="ctr"/>
+            <a:r>
+              <a:rPr lang="zh-CN" altLang="en-US"/>
+              <a:t>钱到手</a:t>
+            </a:r>
+            <a:endParaRPr lang="zh-CN" altLang="en-US"/>
+          </a:p>
+        </p:txBody>
+      </p:sp>
+      <p:cxnSp>
+        <p:nvCxnSpPr>
+          <p:cNvPr id="37" name="直接箭头连接符 36"/>
+          <p:cNvCxnSpPr>
+            <a:endCxn id="36" idx="1"/>
+          </p:cNvCxnSpPr>
+          <p:nvPr/>
+        </p:nvCxnSpPr>
+        <p:spPr>
+          <a:xfrm>
+            <a:off x="10424160" y="2567940"/>
+            <a:ext cx="379095" cy="798830"/>
+          </a:xfrm>
+          <a:prstGeom prst="straightConnector1">
+            <a:avLst/>
+          </a:prstGeom>
+          <a:ln>
+            <a:tailEnd type="arrow"/>
+          </a:ln>
+        </p:spPr>
+        <p:style>
+          <a:lnRef idx="1">
+            <a:schemeClr val="accent1"/>
+          </a:lnRef>
+          <a:fillRef idx="0">
+            <a:schemeClr val="accent1"/>
+          </a:fillRef>
+          <a:effectRef idx="0">
+            <a:schemeClr val="accent1"/>
+          </a:effectRef>
+          <a:fontRef idx="minor">
+            <a:schemeClr val="tx1"/>
+          </a:fontRef>
+        </p:style>
+      </p:cxnSp>
+      <p:cxnSp>
+        <p:nvCxnSpPr>
+          <p:cNvPr id="38" name="直接箭头连接符 37"/>
+          <p:cNvCxnSpPr/>
+          <p:nvPr/>
+        </p:nvCxnSpPr>
+        <p:spPr>
+          <a:xfrm flipV="1">
+            <a:off x="10356850" y="3347720"/>
+            <a:ext cx="455930" cy="694055"/>
+          </a:xfrm>
+          <a:prstGeom prst="straightConnector1">
+            <a:avLst/>
+          </a:prstGeom>
+          <a:ln>
+            <a:tailEnd type="arrow"/>
+          </a:ln>
+        </p:spPr>
+        <p:style>
+          <a:lnRef idx="1">
+            <a:schemeClr val="accent1"/>
+          </a:lnRef>
+          <a:fillRef idx="0">
+            <a:schemeClr val="accent1"/>
+          </a:fillRef>
+          <a:effectRef idx="0">
+            <a:schemeClr val="accent1"/>
+          </a:effectRef>
+          <a:fontRef idx="minor">
+            <a:schemeClr val="tx1"/>
+          </a:fontRef>
+        </p:style>
+      </p:cxnSp>
+      <p:sp>
+        <p:nvSpPr>
+          <p:cNvPr id="40" name="文本框 39"/>
+          <p:cNvSpPr txBox="1"/>
+          <p:nvPr/>
+        </p:nvSpPr>
+        <p:spPr>
+          <a:xfrm>
+            <a:off x="4987925" y="4574540"/>
+            <a:ext cx="1826260" cy="335280"/>
+          </a:xfrm>
+          <a:prstGeom prst="rect">
+            <a:avLst/>
+          </a:prstGeom>
+          <a:noFill/>
+        </p:spPr>
+        <p:txBody>
+          <a:bodyPr wrap="square" rtlCol="0">
+            <a:spAutoFit/>
+          </a:bodyPr>
+          <a:p>
+            <a:r>
+              <a:rPr lang="zh-CN" altLang="en-US" sz="1600">
+                <a:solidFill>
+                  <a:schemeClr val="accent6"/>
+                </a:solidFill>
+              </a:rPr>
+              <a:t>存有电脑的房间</a:t>
+            </a:r>
+            <a:endParaRPr lang="zh-CN" altLang="en-US" sz="1600">
+              <a:solidFill>
+                <a:schemeClr val="accent6"/>
+              </a:solidFill>
+            </a:endParaRPr>
+          </a:p>
+        </p:txBody>
+      </p:sp>
+      <p:sp>
+        <p:nvSpPr>
+          <p:cNvPr id="41" name="文本框 40"/>
+          <p:cNvSpPr txBox="1"/>
+          <p:nvPr/>
+        </p:nvSpPr>
+        <p:spPr>
+          <a:xfrm>
+            <a:off x="8878570" y="1386205"/>
+            <a:ext cx="713105" cy="335280"/>
+          </a:xfrm>
+          <a:prstGeom prst="rect">
+            <a:avLst/>
+          </a:prstGeom>
+          <a:noFill/>
+        </p:spPr>
+        <p:txBody>
+          <a:bodyPr wrap="square" rtlCol="0">
+            <a:spAutoFit/>
+          </a:bodyPr>
+          <a:p>
+            <a:r>
+              <a:rPr lang="zh-CN" altLang="en-US" sz="1600">
+                <a:solidFill>
+                  <a:schemeClr val="accent6"/>
+                </a:solidFill>
+              </a:rPr>
+              <a:t>商店</a:t>
+            </a:r>
+            <a:endParaRPr lang="zh-CN" altLang="en-US" sz="1600">
+              <a:solidFill>
+                <a:schemeClr val="accent6"/>
+              </a:solidFill>
+            </a:endParaRPr>
+          </a:p>
+        </p:txBody>
+      </p:sp>
+      <p:sp>
+        <p:nvSpPr>
+          <p:cNvPr id="42" name="文本框 41"/>
+          <p:cNvSpPr txBox="1"/>
+          <p:nvPr/>
+        </p:nvSpPr>
+        <p:spPr>
+          <a:xfrm>
+            <a:off x="7118985" y="1386205"/>
+            <a:ext cx="1073785" cy="335280"/>
+          </a:xfrm>
+          <a:prstGeom prst="rect">
+            <a:avLst/>
+          </a:prstGeom>
+          <a:noFill/>
+        </p:spPr>
+        <p:txBody>
+          <a:bodyPr wrap="square" rtlCol="0">
+            <a:spAutoFit/>
+          </a:bodyPr>
+          <a:p>
+            <a:r>
+              <a:rPr lang="zh-CN" altLang="en-US" sz="1600">
+                <a:solidFill>
+                  <a:schemeClr val="accent6"/>
+                </a:solidFill>
+              </a:rPr>
+              <a:t>理发店</a:t>
+            </a:r>
+            <a:endParaRPr lang="zh-CN" altLang="en-US" sz="1600">
+              <a:solidFill>
+                <a:schemeClr val="accent6"/>
+              </a:solidFill>
+            </a:endParaRPr>
           </a:p>
         </p:txBody>
       </p:sp>
     </p:spTree>
-    <p:extLst>
-      <p:ext uri="{BB962C8B-B14F-4D97-AF65-F5344CB8AC3E}">
-        <p14:creationId xmlns:p14="http://schemas.microsoft.com/office/powerpoint/2010/main" val="1561161283"/>
-      </p:ext>
-    </p:extLst>
   </p:cSld>
   <p:clrMapOvr>
     <a:masterClrMapping/>
@@ -3854,6 +5314,11 @@
               </a:rPr>
               <a:t>标题</a:t>
             </a:r>
+            <a:endParaRPr lang="zh-CN" altLang="zh-CN" sz="4000">
+              <a:solidFill>
+                <a:schemeClr val="bg1"/>
+              </a:solidFill>
+            </a:endParaRPr>
           </a:p>
         </p:txBody>
       </p:sp>
@@ -3881,15 +5346,11 @@
               <a:rPr lang="zh-CN" altLang="en-US"/>
               <a:t>三人开发小组</a:t>
             </a:r>
+            <a:endParaRPr lang="zh-CN" altLang="en-US"/>
           </a:p>
         </p:txBody>
       </p:sp>
     </p:spTree>
-    <p:extLst>
-      <p:ext uri="{BB962C8B-B14F-4D97-AF65-F5344CB8AC3E}">
-        <p14:creationId xmlns:p14="http://schemas.microsoft.com/office/powerpoint/2010/main" val="3232545791"/>
-      </p:ext>
-    </p:extLst>
   </p:cSld>
   <p:clrMapOvr>
     <a:masterClrMapping/>
@@ -3983,13 +5444,18 @@
           <a:lstStyle/>
           <a:p>
             <a:r>
-              <a:rPr lang="zh-CN" altLang="zh-CN" sz="4000">
+              <a:rPr lang="zh-CN" altLang="en-US" sz="4000" dirty="0" smtClean="0">
                 <a:solidFill>
                   <a:schemeClr val="bg1"/>
                 </a:solidFill>
               </a:rPr>
-              <a:t>标题</a:t>
-            </a:r>
+              <a:t>概述</a:t>
+            </a:r>
+            <a:endParaRPr lang="zh-CN" altLang="zh-CN" sz="4000" dirty="0">
+              <a:solidFill>
+                <a:schemeClr val="bg1"/>
+              </a:solidFill>
+            </a:endParaRPr>
           </a:p>
         </p:txBody>
       </p:sp>
@@ -4017,15 +5483,93 @@
               <a:rPr lang="zh-CN" altLang="en-US"/>
               <a:t>三人开发小组</a:t>
             </a:r>
+            <a:endParaRPr lang="zh-CN" altLang="en-US"/>
+          </a:p>
+        </p:txBody>
+      </p:sp>
+      <p:sp>
+        <p:nvSpPr>
+          <p:cNvPr id="3" name="TextBox 2"/>
+          <p:cNvSpPr txBox="1"/>
+          <p:nvPr/>
+        </p:nvSpPr>
+        <p:spPr>
+          <a:xfrm>
+            <a:off x="683664" y="1504060"/>
+            <a:ext cx="8776530" cy="923330"/>
+          </a:xfrm>
+          <a:prstGeom prst="rect">
+            <a:avLst/>
+          </a:prstGeom>
+          <a:noFill/>
+        </p:spPr>
+        <p:txBody>
+          <a:bodyPr wrap="square" rtlCol="0">
+            <a:spAutoFit/>
+          </a:bodyPr>
+          <a:lstStyle/>
+          <a:p>
+            <a:r>
+              <a:rPr lang="zh-CN" altLang="en-US" dirty="0" smtClean="0"/>
+              <a:t>欠债</a:t>
+            </a:r>
+            <a:r>
+              <a:rPr lang="en-US" altLang="zh-CN" dirty="0" smtClean="0"/>
+              <a:t>NPC</a:t>
+            </a:r>
+            <a:r>
+              <a:rPr lang="zh-CN" altLang="en-US" dirty="0" smtClean="0"/>
+              <a:t>得了很严重的病，需要 玩家想办法救治，否则</a:t>
+            </a:r>
+            <a:r>
+              <a:rPr lang="en-US" altLang="zh-CN" dirty="0" smtClean="0"/>
+              <a:t>NPC</a:t>
+            </a:r>
+            <a:r>
+              <a:rPr lang="zh-CN" altLang="en-US" dirty="0" smtClean="0"/>
+              <a:t>死了钱就没有了。玩家救治好</a:t>
+            </a:r>
+            <a:r>
+              <a:rPr lang="en-US" altLang="zh-CN" dirty="0" smtClean="0"/>
+              <a:t>NPC</a:t>
+            </a:r>
+            <a:r>
+              <a:rPr lang="zh-CN" altLang="en-US" dirty="0" smtClean="0"/>
+              <a:t>后 ，没想到</a:t>
+            </a:r>
+            <a:r>
+              <a:rPr lang="en-US" altLang="zh-CN" dirty="0" smtClean="0"/>
+              <a:t>NPC</a:t>
+            </a:r>
+            <a:r>
+              <a:rPr lang="zh-CN" altLang="en-US" dirty="0" smtClean="0"/>
+              <a:t>还是不肯还钱，玩家在找解药的过程中发现</a:t>
+            </a:r>
+            <a:r>
+              <a:rPr lang="en-US" altLang="zh-CN" dirty="0" smtClean="0"/>
+              <a:t>NPC</a:t>
+            </a:r>
+            <a:r>
+              <a:rPr lang="zh-CN" altLang="en-US" dirty="0" smtClean="0"/>
+              <a:t>特别喜欢养老鼠，主角给老鼠投毒，老鼠病重。主角威胁</a:t>
+            </a:r>
+            <a:r>
+              <a:rPr lang="en-US" altLang="zh-CN" dirty="0" smtClean="0"/>
+              <a:t>NPC</a:t>
+            </a:r>
+            <a:r>
+              <a:rPr lang="zh-CN" altLang="en-US" dirty="0"/>
+              <a:t>，</a:t>
+            </a:r>
+            <a:r>
+              <a:rPr lang="zh-CN" altLang="en-US" dirty="0" smtClean="0"/>
+              <a:t>最终成功讨回钱。</a:t>
+            </a:r>
+            <a:endParaRPr lang="zh-CN" altLang="en-US" dirty="0"/>
           </a:p>
         </p:txBody>
       </p:sp>
     </p:spTree>
-    <p:extLst>
-      <p:ext uri="{BB962C8B-B14F-4D97-AF65-F5344CB8AC3E}">
-        <p14:creationId xmlns:p14="http://schemas.microsoft.com/office/powerpoint/2010/main" val="2983428376"/>
-      </p:ext>
-    </p:extLst>
   </p:cSld>
   <p:clrMapOvr>
     <a:masterClrMapping/>

--- a/关卡1-李硕.pptx
+++ b/关卡1-李硕.pptx
@@ -5,14 +5,14 @@
     <p:sldMasterId id="2147483648" r:id="rId1"/>
   </p:sldMasterIdLst>
   <p:notesMasterIdLst>
-    <p:notesMasterId r:id="rId8"/>
+    <p:notesMasterId r:id="rId7"/>
   </p:notesMasterIdLst>
   <p:sldIdLst>
-    <p:sldId id="256" r:id="rId3"/>
-    <p:sldId id="258" r:id="rId4"/>
-    <p:sldId id="259" r:id="rId5"/>
-    <p:sldId id="260" r:id="rId6"/>
-    <p:sldId id="257" r:id="rId7"/>
+    <p:sldId id="256" r:id="rId2"/>
+    <p:sldId id="258" r:id="rId3"/>
+    <p:sldId id="259" r:id="rId4"/>
+    <p:sldId id="260" r:id="rId5"/>
+    <p:sldId id="257" r:id="rId6"/>
   </p:sldIdLst>
   <p:sldSz cx="12192000" cy="6858000"/>
   <p:notesSz cx="6858000" cy="9144000"/>
@@ -111,6 +111,11 @@
       </a:defRPr>
     </a:lvl9pPr>
   </p:defaultTextStyle>
+  <p:extLst>
+    <p:ext uri="{EFAFB233-063F-42B5-8137-9DF3F51BA10A}">
+      <p15:sldGuideLst xmlns:p15="http://schemas.microsoft.com/office/powerpoint/2012/main"/>
+    </p:ext>
+  </p:extLst>
 </p:presentation>
 </file>
 
@@ -196,6 +201,7 @@
           <a:p>
             <a:fld id="{D2A48B96-639E-45A3-A0BA-2464DFDB1FAA}" type="datetimeFigureOut">
               <a:rPr lang="zh-CN" altLang="en-US" smtClean="0"/>
+              <a:t>2017/8/14</a:t>
             </a:fld>
             <a:endParaRPr lang="zh-CN" altLang="en-US"/>
           </a:p>
@@ -262,7 +268,6 @@
               <a:rPr lang="zh-CN" altLang="en-US" smtClean="0"/>
               <a:t>单击此处编辑母版文本样式</a:t>
             </a:r>
-            <a:endParaRPr lang="zh-CN" altLang="en-US" smtClean="0"/>
           </a:p>
           <a:p>
             <a:pPr lvl="1"/>
@@ -270,7 +275,6 @@
               <a:rPr lang="zh-CN" altLang="en-US" smtClean="0"/>
               <a:t>第二级</a:t>
             </a:r>
-            <a:endParaRPr lang="zh-CN" altLang="en-US" smtClean="0"/>
           </a:p>
           <a:p>
             <a:pPr lvl="2"/>
@@ -278,7 +282,6 @@
               <a:rPr lang="zh-CN" altLang="en-US" smtClean="0"/>
               <a:t>第三级</a:t>
             </a:r>
-            <a:endParaRPr lang="zh-CN" altLang="en-US" smtClean="0"/>
           </a:p>
           <a:p>
             <a:pPr lvl="3"/>
@@ -286,7 +289,6 @@
               <a:rPr lang="zh-CN" altLang="en-US" smtClean="0"/>
               <a:t>第四级</a:t>
             </a:r>
-            <a:endParaRPr lang="zh-CN" altLang="en-US" smtClean="0"/>
           </a:p>
           <a:p>
             <a:pPr lvl="4"/>
@@ -358,12 +360,18 @@
           <a:p>
             <a:fld id="{A6837353-30EB-4A48-80EB-173D804AEFBD}" type="slidenum">
               <a:rPr lang="zh-CN" altLang="en-US" smtClean="0"/>
+              <a:t>‹#›</a:t>
             </a:fld>
             <a:endParaRPr lang="zh-CN" altLang="en-US"/>
           </a:p>
         </p:txBody>
       </p:sp>
     </p:spTree>
+    <p:extLst>
+      <p:ext uri="{BB962C8B-B14F-4D97-AF65-F5344CB8AC3E}">
+        <p14:creationId xmlns:p14="http://schemas.microsoft.com/office/powerpoint/2010/main" val="224362040"/>
+      </p:ext>
+    </p:extLst>
   </p:cSld>
   <p:clrMap bg1="lt1" tx1="dk1" bg2="lt2" tx2="dk2" accent1="accent1" accent2="accent2" accent3="accent3" accent4="accent4" accent5="accent5" accent6="accent6" hlink="hlink" folHlink="folHlink"/>
   <p:notesStyle>
@@ -592,6 +600,7 @@
           <a:p>
             <a:fld id="{D997B5FA-0921-464F-AAE1-844C04324D75}" type="datetimeFigureOut">
               <a:rPr lang="zh-CN" altLang="en-US" smtClean="0"/>
+              <a:t>2017/8/14</a:t>
             </a:fld>
             <a:endParaRPr lang="zh-CN" altLang="en-US"/>
           </a:p>
@@ -616,7 +625,6 @@
               <a:rPr lang="zh-CN" altLang="en-US"/>
               <a:t>三人开发小组</a:t>
             </a:r>
-            <a:endParaRPr lang="zh-CN" altLang="en-US"/>
           </a:p>
         </p:txBody>
       </p:sp>
@@ -637,6 +645,7 @@
           <a:p>
             <a:fld id="{565CE74E-AB26-4998-AD42-012C4C1AD076}" type="slidenum">
               <a:rPr lang="zh-CN" altLang="en-US" smtClean="0"/>
+              <a:t>‹#›</a:t>
             </a:fld>
             <a:endParaRPr lang="zh-CN" altLang="en-US"/>
           </a:p>
@@ -711,7 +720,6 @@
               <a:rPr lang="zh-CN" altLang="en-US" smtClean="0"/>
               <a:t>单击此处编辑母版文本样式</a:t>
             </a:r>
-            <a:endParaRPr lang="zh-CN" altLang="en-US" smtClean="0"/>
           </a:p>
           <a:p>
             <a:pPr lvl="1"/>
@@ -719,7 +727,6 @@
               <a:rPr lang="zh-CN" altLang="en-US" smtClean="0"/>
               <a:t>第二级</a:t>
             </a:r>
-            <a:endParaRPr lang="zh-CN" altLang="en-US" smtClean="0"/>
           </a:p>
           <a:p>
             <a:pPr lvl="2"/>
@@ -727,7 +734,6 @@
               <a:rPr lang="zh-CN" altLang="en-US" smtClean="0"/>
               <a:t>第三级</a:t>
             </a:r>
-            <a:endParaRPr lang="zh-CN" altLang="en-US" smtClean="0"/>
           </a:p>
           <a:p>
             <a:pPr lvl="3"/>
@@ -735,7 +741,6 @@
               <a:rPr lang="zh-CN" altLang="en-US" smtClean="0"/>
               <a:t>第四级</a:t>
             </a:r>
-            <a:endParaRPr lang="zh-CN" altLang="en-US" smtClean="0"/>
           </a:p>
           <a:p>
             <a:pPr lvl="4"/>
@@ -764,6 +769,7 @@
           <a:p>
             <a:fld id="{D997B5FA-0921-464F-AAE1-844C04324D75}" type="datetimeFigureOut">
               <a:rPr lang="zh-CN" altLang="en-US" smtClean="0"/>
+              <a:t>2017/8/14</a:t>
             </a:fld>
             <a:endParaRPr lang="zh-CN" altLang="en-US"/>
           </a:p>
@@ -788,7 +794,6 @@
               <a:rPr lang="zh-CN" altLang="en-US"/>
               <a:t>三人开发小组</a:t>
             </a:r>
-            <a:endParaRPr lang="zh-CN" altLang="en-US"/>
           </a:p>
         </p:txBody>
       </p:sp>
@@ -809,6 +814,7 @@
           <a:p>
             <a:fld id="{565CE74E-AB26-4998-AD42-012C4C1AD076}" type="slidenum">
               <a:rPr lang="zh-CN" altLang="en-US" smtClean="0"/>
+              <a:t>‹#›</a:t>
             </a:fld>
             <a:endParaRPr lang="zh-CN" altLang="en-US"/>
           </a:p>
@@ -893,7 +899,6 @@
               <a:rPr lang="zh-CN" altLang="en-US" smtClean="0"/>
               <a:t>单击此处编辑母版文本样式</a:t>
             </a:r>
-            <a:endParaRPr lang="zh-CN" altLang="en-US" smtClean="0"/>
           </a:p>
           <a:p>
             <a:pPr lvl="1"/>
@@ -901,7 +906,6 @@
               <a:rPr lang="zh-CN" altLang="en-US" smtClean="0"/>
               <a:t>第二级</a:t>
             </a:r>
-            <a:endParaRPr lang="zh-CN" altLang="en-US" smtClean="0"/>
           </a:p>
           <a:p>
             <a:pPr lvl="2"/>
@@ -909,7 +913,6 @@
               <a:rPr lang="zh-CN" altLang="en-US" smtClean="0"/>
               <a:t>第三级</a:t>
             </a:r>
-            <a:endParaRPr lang="zh-CN" altLang="en-US" smtClean="0"/>
           </a:p>
           <a:p>
             <a:pPr lvl="3"/>
@@ -917,7 +920,6 @@
               <a:rPr lang="zh-CN" altLang="en-US" smtClean="0"/>
               <a:t>第四级</a:t>
             </a:r>
-            <a:endParaRPr lang="zh-CN" altLang="en-US" smtClean="0"/>
           </a:p>
           <a:p>
             <a:pPr lvl="4"/>
@@ -946,6 +948,7 @@
           <a:p>
             <a:fld id="{D997B5FA-0921-464F-AAE1-844C04324D75}" type="datetimeFigureOut">
               <a:rPr lang="zh-CN" altLang="en-US" smtClean="0"/>
+              <a:t>2017/8/14</a:t>
             </a:fld>
             <a:endParaRPr lang="zh-CN" altLang="en-US"/>
           </a:p>
@@ -970,7 +973,6 @@
               <a:rPr lang="zh-CN" altLang="en-US"/>
               <a:t>三人开发小组</a:t>
             </a:r>
-            <a:endParaRPr lang="zh-CN" altLang="en-US"/>
           </a:p>
         </p:txBody>
       </p:sp>
@@ -991,6 +993,7 @@
           <a:p>
             <a:fld id="{565CE74E-AB26-4998-AD42-012C4C1AD076}" type="slidenum">
               <a:rPr lang="zh-CN" altLang="en-US" smtClean="0"/>
+              <a:t>‹#›</a:t>
             </a:fld>
             <a:endParaRPr lang="zh-CN" altLang="en-US"/>
           </a:p>
@@ -1065,7 +1068,6 @@
               <a:rPr lang="zh-CN" altLang="en-US" smtClean="0"/>
               <a:t>单击此处编辑母版文本样式</a:t>
             </a:r>
-            <a:endParaRPr lang="zh-CN" altLang="en-US" smtClean="0"/>
           </a:p>
           <a:p>
             <a:pPr lvl="1"/>
@@ -1073,7 +1075,6 @@
               <a:rPr lang="zh-CN" altLang="en-US" smtClean="0"/>
               <a:t>第二级</a:t>
             </a:r>
-            <a:endParaRPr lang="zh-CN" altLang="en-US" smtClean="0"/>
           </a:p>
           <a:p>
             <a:pPr lvl="2"/>
@@ -1081,7 +1082,6 @@
               <a:rPr lang="zh-CN" altLang="en-US" smtClean="0"/>
               <a:t>第三级</a:t>
             </a:r>
-            <a:endParaRPr lang="zh-CN" altLang="en-US" smtClean="0"/>
           </a:p>
           <a:p>
             <a:pPr lvl="3"/>
@@ -1089,7 +1089,6 @@
               <a:rPr lang="zh-CN" altLang="en-US" smtClean="0"/>
               <a:t>第四级</a:t>
             </a:r>
-            <a:endParaRPr lang="zh-CN" altLang="en-US" smtClean="0"/>
           </a:p>
           <a:p>
             <a:pPr lvl="4"/>
@@ -1118,6 +1117,7 @@
           <a:p>
             <a:fld id="{D997B5FA-0921-464F-AAE1-844C04324D75}" type="datetimeFigureOut">
               <a:rPr lang="zh-CN" altLang="en-US" smtClean="0"/>
+              <a:t>2017/8/14</a:t>
             </a:fld>
             <a:endParaRPr lang="zh-CN" altLang="en-US"/>
           </a:p>
@@ -1142,7 +1142,6 @@
               <a:rPr lang="zh-CN" altLang="en-US"/>
               <a:t>三人开发小组</a:t>
             </a:r>
-            <a:endParaRPr lang="zh-CN" altLang="en-US"/>
           </a:p>
         </p:txBody>
       </p:sp>
@@ -1163,6 +1162,7 @@
           <a:p>
             <a:fld id="{565CE74E-AB26-4998-AD42-012C4C1AD076}" type="slidenum">
               <a:rPr lang="zh-CN" altLang="en-US" smtClean="0"/>
+              <a:t>‹#›</a:t>
             </a:fld>
             <a:endParaRPr lang="zh-CN" altLang="en-US"/>
           </a:p>
@@ -1342,7 +1342,6 @@
               <a:rPr lang="zh-CN" altLang="en-US" smtClean="0"/>
               <a:t>单击此处编辑母版文本样式</a:t>
             </a:r>
-            <a:endParaRPr lang="zh-CN" altLang="en-US" smtClean="0"/>
           </a:p>
         </p:txBody>
       </p:sp>
@@ -1363,6 +1362,7 @@
           <a:p>
             <a:fld id="{D997B5FA-0921-464F-AAE1-844C04324D75}" type="datetimeFigureOut">
               <a:rPr lang="zh-CN" altLang="en-US" smtClean="0"/>
+              <a:t>2017/8/14</a:t>
             </a:fld>
             <a:endParaRPr lang="zh-CN" altLang="en-US"/>
           </a:p>
@@ -1387,7 +1387,6 @@
               <a:rPr lang="zh-CN" altLang="en-US"/>
               <a:t>三人开发小组</a:t>
             </a:r>
-            <a:endParaRPr lang="zh-CN" altLang="en-US"/>
           </a:p>
         </p:txBody>
       </p:sp>
@@ -1408,6 +1407,7 @@
           <a:p>
             <a:fld id="{565CE74E-AB26-4998-AD42-012C4C1AD076}" type="slidenum">
               <a:rPr lang="zh-CN" altLang="en-US" smtClean="0"/>
+              <a:t>‹#›</a:t>
             </a:fld>
             <a:endParaRPr lang="zh-CN" altLang="en-US"/>
           </a:p>
@@ -1487,7 +1487,6 @@
               <a:rPr lang="zh-CN" altLang="en-US" smtClean="0"/>
               <a:t>单击此处编辑母版文本样式</a:t>
             </a:r>
-            <a:endParaRPr lang="zh-CN" altLang="en-US" smtClean="0"/>
           </a:p>
           <a:p>
             <a:pPr lvl="1"/>
@@ -1495,7 +1494,6 @@
               <a:rPr lang="zh-CN" altLang="en-US" smtClean="0"/>
               <a:t>第二级</a:t>
             </a:r>
-            <a:endParaRPr lang="zh-CN" altLang="en-US" smtClean="0"/>
           </a:p>
           <a:p>
             <a:pPr lvl="2"/>
@@ -1503,7 +1501,6 @@
               <a:rPr lang="zh-CN" altLang="en-US" smtClean="0"/>
               <a:t>第三级</a:t>
             </a:r>
-            <a:endParaRPr lang="zh-CN" altLang="en-US" smtClean="0"/>
           </a:p>
           <a:p>
             <a:pPr lvl="3"/>
@@ -1511,7 +1508,6 @@
               <a:rPr lang="zh-CN" altLang="en-US" smtClean="0"/>
               <a:t>第四级</a:t>
             </a:r>
-            <a:endParaRPr lang="zh-CN" altLang="en-US" smtClean="0"/>
           </a:p>
           <a:p>
             <a:pPr lvl="4"/>
@@ -1548,7 +1544,6 @@
               <a:rPr lang="zh-CN" altLang="en-US" smtClean="0"/>
               <a:t>单击此处编辑母版文本样式</a:t>
             </a:r>
-            <a:endParaRPr lang="zh-CN" altLang="en-US" smtClean="0"/>
           </a:p>
           <a:p>
             <a:pPr lvl="1"/>
@@ -1556,7 +1551,6 @@
               <a:rPr lang="zh-CN" altLang="en-US" smtClean="0"/>
               <a:t>第二级</a:t>
             </a:r>
-            <a:endParaRPr lang="zh-CN" altLang="en-US" smtClean="0"/>
           </a:p>
           <a:p>
             <a:pPr lvl="2"/>
@@ -1564,7 +1558,6 @@
               <a:rPr lang="zh-CN" altLang="en-US" smtClean="0"/>
               <a:t>第三级</a:t>
             </a:r>
-            <a:endParaRPr lang="zh-CN" altLang="en-US" smtClean="0"/>
           </a:p>
           <a:p>
             <a:pPr lvl="3"/>
@@ -1572,7 +1565,6 @@
               <a:rPr lang="zh-CN" altLang="en-US" smtClean="0"/>
               <a:t>第四级</a:t>
             </a:r>
-            <a:endParaRPr lang="zh-CN" altLang="en-US" smtClean="0"/>
           </a:p>
           <a:p>
             <a:pPr lvl="4"/>
@@ -1601,6 +1593,7 @@
           <a:p>
             <a:fld id="{D997B5FA-0921-464F-AAE1-844C04324D75}" type="datetimeFigureOut">
               <a:rPr lang="zh-CN" altLang="en-US" smtClean="0"/>
+              <a:t>2017/8/14</a:t>
             </a:fld>
             <a:endParaRPr lang="zh-CN" altLang="en-US"/>
           </a:p>
@@ -1625,7 +1618,6 @@
               <a:rPr lang="zh-CN" altLang="en-US"/>
               <a:t>三人开发小组</a:t>
             </a:r>
-            <a:endParaRPr lang="zh-CN" altLang="en-US"/>
           </a:p>
         </p:txBody>
       </p:sp>
@@ -1646,6 +1638,7 @@
           <a:p>
             <a:fld id="{565CE74E-AB26-4998-AD42-012C4C1AD076}" type="slidenum">
               <a:rPr lang="zh-CN" altLang="en-US" smtClean="0"/>
+              <a:t>‹#›</a:t>
             </a:fld>
             <a:endParaRPr lang="zh-CN" altLang="en-US"/>
           </a:p>
@@ -1767,7 +1760,6 @@
               <a:rPr lang="zh-CN" altLang="en-US" smtClean="0"/>
               <a:t>单击此处编辑母版文本样式</a:t>
             </a:r>
-            <a:endParaRPr lang="zh-CN" altLang="en-US" smtClean="0"/>
           </a:p>
         </p:txBody>
       </p:sp>
@@ -1796,7 +1788,6 @@
               <a:rPr lang="zh-CN" altLang="en-US" smtClean="0"/>
               <a:t>单击此处编辑母版文本样式</a:t>
             </a:r>
-            <a:endParaRPr lang="zh-CN" altLang="en-US" smtClean="0"/>
           </a:p>
           <a:p>
             <a:pPr lvl="1"/>
@@ -1804,7 +1795,6 @@
               <a:rPr lang="zh-CN" altLang="en-US" smtClean="0"/>
               <a:t>第二级</a:t>
             </a:r>
-            <a:endParaRPr lang="zh-CN" altLang="en-US" smtClean="0"/>
           </a:p>
           <a:p>
             <a:pPr lvl="2"/>
@@ -1812,7 +1802,6 @@
               <a:rPr lang="zh-CN" altLang="en-US" smtClean="0"/>
               <a:t>第三级</a:t>
             </a:r>
-            <a:endParaRPr lang="zh-CN" altLang="en-US" smtClean="0"/>
           </a:p>
           <a:p>
             <a:pPr lvl="3"/>
@@ -1820,7 +1809,6 @@
               <a:rPr lang="zh-CN" altLang="en-US" smtClean="0"/>
               <a:t>第四级</a:t>
             </a:r>
-            <a:endParaRPr lang="zh-CN" altLang="en-US" smtClean="0"/>
           </a:p>
           <a:p>
             <a:pPr lvl="4"/>
@@ -1894,7 +1882,6 @@
               <a:rPr lang="zh-CN" altLang="en-US" smtClean="0"/>
               <a:t>单击此处编辑母版文本样式</a:t>
             </a:r>
-            <a:endParaRPr lang="zh-CN" altLang="en-US" smtClean="0"/>
           </a:p>
         </p:txBody>
       </p:sp>
@@ -1923,7 +1910,6 @@
               <a:rPr lang="zh-CN" altLang="en-US" smtClean="0"/>
               <a:t>单击此处编辑母版文本样式</a:t>
             </a:r>
-            <a:endParaRPr lang="zh-CN" altLang="en-US" smtClean="0"/>
           </a:p>
           <a:p>
             <a:pPr lvl="1"/>
@@ -1931,7 +1917,6 @@
               <a:rPr lang="zh-CN" altLang="en-US" smtClean="0"/>
               <a:t>第二级</a:t>
             </a:r>
-            <a:endParaRPr lang="zh-CN" altLang="en-US" smtClean="0"/>
           </a:p>
           <a:p>
             <a:pPr lvl="2"/>
@@ -1939,7 +1924,6 @@
               <a:rPr lang="zh-CN" altLang="en-US" smtClean="0"/>
               <a:t>第三级</a:t>
             </a:r>
-            <a:endParaRPr lang="zh-CN" altLang="en-US" smtClean="0"/>
           </a:p>
           <a:p>
             <a:pPr lvl="3"/>
@@ -1947,7 +1931,6 @@
               <a:rPr lang="zh-CN" altLang="en-US" smtClean="0"/>
               <a:t>第四级</a:t>
             </a:r>
-            <a:endParaRPr lang="zh-CN" altLang="en-US" smtClean="0"/>
           </a:p>
           <a:p>
             <a:pPr lvl="4"/>
@@ -1976,6 +1959,7 @@
           <a:p>
             <a:fld id="{D997B5FA-0921-464F-AAE1-844C04324D75}" type="datetimeFigureOut">
               <a:rPr lang="zh-CN" altLang="en-US" smtClean="0"/>
+              <a:t>2017/8/14</a:t>
             </a:fld>
             <a:endParaRPr lang="zh-CN" altLang="en-US"/>
           </a:p>
@@ -2000,7 +1984,6 @@
               <a:rPr lang="zh-CN" altLang="en-US"/>
               <a:t>三人开发小组</a:t>
             </a:r>
-            <a:endParaRPr lang="zh-CN" altLang="en-US"/>
           </a:p>
         </p:txBody>
       </p:sp>
@@ -2021,6 +2004,7 @@
           <a:p>
             <a:fld id="{565CE74E-AB26-4998-AD42-012C4C1AD076}" type="slidenum">
               <a:rPr lang="zh-CN" altLang="en-US" smtClean="0"/>
+              <a:t>‹#›</a:t>
             </a:fld>
             <a:endParaRPr lang="zh-CN" altLang="en-US"/>
           </a:p>
@@ -2092,6 +2076,7 @@
           <a:p>
             <a:fld id="{D997B5FA-0921-464F-AAE1-844C04324D75}" type="datetimeFigureOut">
               <a:rPr lang="zh-CN" altLang="en-US" smtClean="0"/>
+              <a:t>2017/8/14</a:t>
             </a:fld>
             <a:endParaRPr lang="zh-CN" altLang="en-US"/>
           </a:p>
@@ -2116,7 +2101,6 @@
               <a:rPr lang="zh-CN" altLang="en-US"/>
               <a:t>三人开发小组</a:t>
             </a:r>
-            <a:endParaRPr lang="zh-CN" altLang="en-US"/>
           </a:p>
         </p:txBody>
       </p:sp>
@@ -2137,6 +2121,7 @@
           <a:p>
             <a:fld id="{565CE74E-AB26-4998-AD42-012C4C1AD076}" type="slidenum">
               <a:rPr lang="zh-CN" altLang="en-US" smtClean="0"/>
+              <a:t>‹#›</a:t>
             </a:fld>
             <a:endParaRPr lang="zh-CN" altLang="en-US"/>
           </a:p>
@@ -2185,6 +2170,7 @@
           <a:p>
             <a:fld id="{D997B5FA-0921-464F-AAE1-844C04324D75}" type="datetimeFigureOut">
               <a:rPr lang="zh-CN" altLang="en-US" smtClean="0"/>
+              <a:t>2017/8/14</a:t>
             </a:fld>
             <a:endParaRPr lang="zh-CN" altLang="en-US"/>
           </a:p>
@@ -2209,7 +2195,6 @@
               <a:rPr lang="zh-CN" altLang="en-US"/>
               <a:t>三人开发小组</a:t>
             </a:r>
-            <a:endParaRPr lang="zh-CN" altLang="en-US"/>
           </a:p>
         </p:txBody>
       </p:sp>
@@ -2230,6 +2215,7 @@
           <a:p>
             <a:fld id="{565CE74E-AB26-4998-AD42-012C4C1AD076}" type="slidenum">
               <a:rPr lang="zh-CN" altLang="en-US" smtClean="0"/>
+              <a:t>‹#›</a:t>
             </a:fld>
             <a:endParaRPr lang="zh-CN" altLang="en-US"/>
           </a:p>
@@ -2346,7 +2332,6 @@
               <a:rPr lang="zh-CN" altLang="en-US" smtClean="0"/>
               <a:t>单击此处编辑母版文本样式</a:t>
             </a:r>
-            <a:endParaRPr lang="zh-CN" altLang="en-US" smtClean="0"/>
           </a:p>
           <a:p>
             <a:pPr lvl="1"/>
@@ -2354,7 +2339,6 @@
               <a:rPr lang="zh-CN" altLang="en-US" smtClean="0"/>
               <a:t>第二级</a:t>
             </a:r>
-            <a:endParaRPr lang="zh-CN" altLang="en-US" smtClean="0"/>
           </a:p>
           <a:p>
             <a:pPr lvl="2"/>
@@ -2362,7 +2346,6 @@
               <a:rPr lang="zh-CN" altLang="en-US" smtClean="0"/>
               <a:t>第三级</a:t>
             </a:r>
-            <a:endParaRPr lang="zh-CN" altLang="en-US" smtClean="0"/>
           </a:p>
           <a:p>
             <a:pPr lvl="3"/>
@@ -2370,7 +2353,6 @@
               <a:rPr lang="zh-CN" altLang="en-US" smtClean="0"/>
               <a:t>第四级</a:t>
             </a:r>
-            <a:endParaRPr lang="zh-CN" altLang="en-US" smtClean="0"/>
           </a:p>
           <a:p>
             <a:pPr lvl="4"/>
@@ -2444,7 +2426,6 @@
               <a:rPr lang="zh-CN" altLang="en-US" smtClean="0"/>
               <a:t>单击此处编辑母版文本样式</a:t>
             </a:r>
-            <a:endParaRPr lang="zh-CN" altLang="en-US" smtClean="0"/>
           </a:p>
         </p:txBody>
       </p:sp>
@@ -2465,6 +2446,7 @@
           <a:p>
             <a:fld id="{D997B5FA-0921-464F-AAE1-844C04324D75}" type="datetimeFigureOut">
               <a:rPr lang="zh-CN" altLang="en-US" smtClean="0"/>
+              <a:t>2017/8/14</a:t>
             </a:fld>
             <a:endParaRPr lang="zh-CN" altLang="en-US"/>
           </a:p>
@@ -2489,7 +2471,6 @@
               <a:rPr lang="zh-CN" altLang="en-US"/>
               <a:t>三人开发小组</a:t>
             </a:r>
-            <a:endParaRPr lang="zh-CN" altLang="en-US"/>
           </a:p>
         </p:txBody>
       </p:sp>
@@ -2510,6 +2491,7 @@
           <a:p>
             <a:fld id="{565CE74E-AB26-4998-AD42-012C4C1AD076}" type="slidenum">
               <a:rPr lang="zh-CN" altLang="en-US" smtClean="0"/>
+              <a:t>‹#›</a:t>
             </a:fld>
             <a:endParaRPr lang="zh-CN" altLang="en-US"/>
           </a:p>
@@ -2696,7 +2678,6 @@
               <a:rPr lang="zh-CN" altLang="en-US" smtClean="0"/>
               <a:t>单击此处编辑母版文本样式</a:t>
             </a:r>
-            <a:endParaRPr lang="zh-CN" altLang="en-US" smtClean="0"/>
           </a:p>
         </p:txBody>
       </p:sp>
@@ -2717,6 +2698,7 @@
           <a:p>
             <a:fld id="{D997B5FA-0921-464F-AAE1-844C04324D75}" type="datetimeFigureOut">
               <a:rPr lang="zh-CN" altLang="en-US" smtClean="0"/>
+              <a:t>2017/8/14</a:t>
             </a:fld>
             <a:endParaRPr lang="zh-CN" altLang="en-US"/>
           </a:p>
@@ -2741,7 +2723,6 @@
               <a:rPr lang="zh-CN" altLang="en-US"/>
               <a:t>三人开发小组</a:t>
             </a:r>
-            <a:endParaRPr lang="zh-CN" altLang="en-US"/>
           </a:p>
         </p:txBody>
       </p:sp>
@@ -2762,6 +2743,7 @@
           <a:p>
             <a:fld id="{565CE74E-AB26-4998-AD42-012C4C1AD076}" type="slidenum">
               <a:rPr lang="zh-CN" altLang="en-US" smtClean="0"/>
+              <a:t>‹#›</a:t>
             </a:fld>
             <a:endParaRPr lang="zh-CN" altLang="en-US"/>
           </a:p>
@@ -2861,7 +2843,6 @@
               <a:rPr lang="zh-CN" altLang="en-US" smtClean="0"/>
               <a:t>单击此处编辑母版文本样式</a:t>
             </a:r>
-            <a:endParaRPr lang="zh-CN" altLang="en-US" smtClean="0"/>
           </a:p>
           <a:p>
             <a:pPr lvl="1"/>
@@ -2869,7 +2850,6 @@
               <a:rPr lang="zh-CN" altLang="en-US" smtClean="0"/>
               <a:t>第二级</a:t>
             </a:r>
-            <a:endParaRPr lang="zh-CN" altLang="en-US" smtClean="0"/>
           </a:p>
           <a:p>
             <a:pPr lvl="2"/>
@@ -2877,7 +2857,6 @@
               <a:rPr lang="zh-CN" altLang="en-US" smtClean="0"/>
               <a:t>第三级</a:t>
             </a:r>
-            <a:endParaRPr lang="zh-CN" altLang="en-US" smtClean="0"/>
           </a:p>
           <a:p>
             <a:pPr lvl="3"/>
@@ -2885,7 +2864,6 @@
               <a:rPr lang="zh-CN" altLang="en-US" smtClean="0"/>
               <a:t>第四级</a:t>
             </a:r>
-            <a:endParaRPr lang="zh-CN" altLang="en-US" smtClean="0"/>
           </a:p>
           <a:p>
             <a:pPr lvl="4"/>
@@ -2932,6 +2910,7 @@
           <a:p>
             <a:fld id="{D997B5FA-0921-464F-AAE1-844C04324D75}" type="datetimeFigureOut">
               <a:rPr lang="zh-CN" altLang="en-US" smtClean="0"/>
+              <a:t>2017/8/14</a:t>
             </a:fld>
             <a:endParaRPr lang="zh-CN" altLang="en-US"/>
           </a:p>
@@ -2974,7 +2953,6 @@
               <a:rPr lang="zh-CN" altLang="en-US"/>
               <a:t>三人开发小组</a:t>
             </a:r>
-            <a:endParaRPr lang="zh-CN" altLang="en-US"/>
           </a:p>
         </p:txBody>
       </p:sp>
@@ -3013,6 +2991,7 @@
           <a:p>
             <a:fld id="{565CE74E-AB26-4998-AD42-012C4C1AD076}" type="slidenum">
               <a:rPr lang="zh-CN" altLang="en-US" smtClean="0"/>
+              <a:t>‹#›</a:t>
             </a:fld>
             <a:endParaRPr lang="zh-CN" altLang="en-US"/>
           </a:p>
@@ -3417,11 +3396,6 @@
               </a:rPr>
               <a:t>1</a:t>
             </a:r>
-            <a:endParaRPr lang="en-US" altLang="zh-CN" b="1" dirty="0">
-              <a:solidFill>
-                <a:schemeClr val="bg1"/>
-              </a:solidFill>
-            </a:endParaRPr>
           </a:p>
         </p:txBody>
       </p:sp>
@@ -3526,11 +3500,6 @@
               </a:rPr>
               <a:t>欠款人信息</a:t>
             </a:r>
-            <a:endParaRPr lang="zh-CN" altLang="zh-CN" sz="4000">
-              <a:solidFill>
-                <a:schemeClr val="bg1"/>
-              </a:solidFill>
-            </a:endParaRPr>
           </a:p>
         </p:txBody>
       </p:sp>
@@ -3558,7 +3527,6 @@
               <a:rPr lang="zh-CN" altLang="en-US"/>
               <a:t>三人开发小组</a:t>
             </a:r>
-            <a:endParaRPr lang="zh-CN" altLang="en-US"/>
           </a:p>
         </p:txBody>
       </p:sp>
@@ -3582,6 +3550,7 @@
           <a:bodyPr wrap="square" rtlCol="0">
             <a:spAutoFit/>
           </a:bodyPr>
+          <a:lstStyle/>
           <a:p>
             <a:r>
               <a:rPr lang="zh-CN" altLang="en-US"/>
@@ -3595,7 +3564,6 @@
               <a:rPr lang="zh-CN" altLang="en-US"/>
               <a:t>哥</a:t>
             </a:r>
-            <a:endParaRPr lang="zh-CN" altLang="en-US"/>
           </a:p>
         </p:txBody>
       </p:sp>
@@ -3619,6 +3587,7 @@
           <a:bodyPr wrap="square" rtlCol="0">
             <a:spAutoFit/>
           </a:bodyPr>
+          <a:lstStyle/>
           <a:p>
             <a:r>
               <a:rPr lang="zh-CN" altLang="en-US"/>
@@ -3628,7 +3597,6 @@
               <a:rPr lang="en-US" altLang="zh-CN"/>
               <a:t>1000</a:t>
             </a:r>
-            <a:endParaRPr lang="en-US" altLang="zh-CN"/>
           </a:p>
         </p:txBody>
       </p:sp>
@@ -3652,6 +3620,7 @@
           <a:bodyPr wrap="square" rtlCol="0">
             <a:spAutoFit/>
           </a:bodyPr>
+          <a:lstStyle/>
           <a:p>
             <a:r>
               <a:rPr lang="zh-CN" altLang="en-US"/>
@@ -3681,6 +3650,7 @@
           <a:bodyPr wrap="square" rtlCol="0">
             <a:spAutoFit/>
           </a:bodyPr>
+          <a:lstStyle/>
           <a:p>
             <a:r>
               <a:rPr lang="zh-CN" altLang="en-US"/>
@@ -3742,7 +3712,6 @@
               <a:rPr lang="zh-CN" altLang="en-US"/>
               <a:t>）</a:t>
             </a:r>
-            <a:endParaRPr lang="zh-CN" altLang="en-US"/>
           </a:p>
         </p:txBody>
       </p:sp>
@@ -3766,24 +3735,21 @@
           <a:bodyPr wrap="square" rtlCol="0">
             <a:spAutoFit/>
           </a:bodyPr>
-          <a:p>
-            <a:r>
-              <a:rPr lang="zh-CN" altLang="en-US"/>
+          <a:lstStyle/>
+          <a:p>
+            <a:r>
+              <a:rPr lang="zh-CN" altLang="en-US" dirty="0"/>
               <a:t>还钱途径：伙同</a:t>
             </a:r>
             <a:r>
-              <a:rPr lang="en-US" altLang="zh-CN"/>
+              <a:rPr lang="en-US" altLang="zh-CN" dirty="0"/>
               <a:t>b</a:t>
             </a:r>
             <a:r>
-              <a:rPr lang="zh-CN" altLang="en-US"/>
-              <a:t>哥</a:t>
-            </a:r>
-            <a:r>
-              <a:rPr lang="zh-CN" altLang="en-US"/>
-              <a:t>将狗伪装成狐狸，去骗店铺老板</a:t>
-            </a:r>
-            <a:endParaRPr lang="en-US" altLang="zh-CN"/>
+              <a:rPr lang="zh-CN" altLang="en-US" dirty="0"/>
+              <a:t>哥将狗伪装成狐狸，去骗店铺老板</a:t>
+            </a:r>
+            <a:endParaRPr lang="en-US" altLang="zh-CN" dirty="0"/>
           </a:p>
         </p:txBody>
       </p:sp>
@@ -3888,11 +3854,6 @@
               </a:rPr>
               <a:t>流程</a:t>
             </a:r>
-            <a:endParaRPr lang="zh-CN" altLang="en-US" sz="4000">
-              <a:solidFill>
-                <a:schemeClr val="bg1"/>
-              </a:solidFill>
-            </a:endParaRPr>
           </a:p>
         </p:txBody>
       </p:sp>
@@ -3920,7 +3881,6 @@
               <a:rPr lang="zh-CN" altLang="en-US"/>
               <a:t>三人开发小组</a:t>
             </a:r>
-            <a:endParaRPr lang="zh-CN" altLang="en-US"/>
           </a:p>
         </p:txBody>
       </p:sp>
@@ -3957,6 +3917,7 @@
         </p:style>
         <p:txBody>
           <a:bodyPr rtlCol="0" anchor="ctr"/>
+          <a:lstStyle/>
           <a:p>
             <a:pPr algn="ctr"/>
             <a:r>
@@ -3971,7 +3932,6 @@
               <a:rPr lang="zh-CN" altLang="en-US"/>
               <a:t>哥</a:t>
             </a:r>
-            <a:endParaRPr lang="zh-CN" altLang="en-US"/>
           </a:p>
         </p:txBody>
       </p:sp>
@@ -4008,6 +3968,7 @@
         </p:style>
         <p:txBody>
           <a:bodyPr rtlCol="0" anchor="ctr"/>
+          <a:lstStyle/>
           <a:p>
             <a:pPr algn="ctr"/>
             <a:r>
@@ -4018,7 +3979,6 @@
               <a:rPr lang="zh-CN" altLang="en-US"/>
               <a:t>哥没钱</a:t>
             </a:r>
-            <a:endParaRPr lang="zh-CN" altLang="en-US"/>
           </a:p>
         </p:txBody>
       </p:sp>
@@ -4055,13 +4015,13 @@
         </p:style>
         <p:txBody>
           <a:bodyPr rtlCol="0" anchor="ctr"/>
+          <a:lstStyle/>
           <a:p>
             <a:pPr algn="ctr"/>
             <a:r>
               <a:rPr lang="zh-CN" altLang="en-US" sz="1400"/>
               <a:t>建议卖狗骗商店老板</a:t>
             </a:r>
-            <a:endParaRPr lang="zh-CN" altLang="en-US" sz="1400"/>
           </a:p>
         </p:txBody>
       </p:sp>
@@ -4098,13 +4058,13 @@
         </p:style>
         <p:txBody>
           <a:bodyPr rtlCol="0" anchor="ctr"/>
+          <a:lstStyle/>
           <a:p>
             <a:pPr algn="ctr"/>
             <a:r>
               <a:rPr lang="zh-CN" altLang="en-US"/>
               <a:t>找狗</a:t>
             </a:r>
-            <a:endParaRPr lang="zh-CN" altLang="en-US"/>
           </a:p>
         </p:txBody>
       </p:sp>
@@ -4141,13 +4101,13 @@
         </p:style>
         <p:txBody>
           <a:bodyPr rtlCol="0" anchor="ctr"/>
+          <a:lstStyle/>
           <a:p>
             <a:pPr algn="ctr"/>
             <a:r>
               <a:rPr lang="zh-CN" altLang="en-US"/>
               <a:t>找到电脑</a:t>
             </a:r>
-            <a:endParaRPr lang="zh-CN" altLang="en-US"/>
           </a:p>
         </p:txBody>
       </p:sp>
@@ -4242,12 +4202,12 @@
           <a:bodyPr wrap="square" rtlCol="0">
             <a:spAutoFit/>
           </a:bodyPr>
+          <a:lstStyle/>
           <a:p>
             <a:r>
               <a:rPr lang="zh-CN" altLang="en-US"/>
               <a:t>是</a:t>
             </a:r>
-            <a:endParaRPr lang="zh-CN" altLang="en-US"/>
           </a:p>
         </p:txBody>
       </p:sp>
@@ -4340,12 +4300,12 @@
           <a:bodyPr wrap="square" rtlCol="0">
             <a:spAutoFit/>
           </a:bodyPr>
+          <a:lstStyle/>
           <a:p>
             <a:r>
               <a:rPr lang="zh-CN" altLang="zh-CN"/>
               <a:t>否</a:t>
             </a:r>
-            <a:endParaRPr lang="zh-CN" altLang="zh-CN"/>
           </a:p>
         </p:txBody>
       </p:sp>
@@ -4382,13 +4342,13 @@
         </p:style>
         <p:txBody>
           <a:bodyPr rtlCol="0" anchor="ctr"/>
+          <a:lstStyle/>
           <a:p>
             <a:pPr algn="ctr"/>
             <a:r>
               <a:rPr lang="zh-CN" altLang="en-US"/>
               <a:t>给狗理发</a:t>
             </a:r>
-            <a:endParaRPr lang="zh-CN" altLang="en-US"/>
           </a:p>
         </p:txBody>
       </p:sp>
@@ -4425,13 +4385,14 @@
         </p:style>
         <p:txBody>
           <a:bodyPr rtlCol="0" anchor="ctr"/>
+          <a:lstStyle/>
           <a:p>
             <a:pPr algn="ctr"/>
             <a:r>
-              <a:rPr lang="zh-CN" altLang="en-US"/>
-              <a:t>男扮女装</a:t>
-            </a:r>
-            <a:endParaRPr lang="zh-CN" altLang="en-US"/>
+              <a:rPr lang="zh-CN" altLang="en-US" dirty="0" smtClean="0"/>
+              <a:t>联系女主播</a:t>
+            </a:r>
+            <a:endParaRPr lang="zh-CN" altLang="en-US" dirty="0"/>
           </a:p>
         </p:txBody>
       </p:sp>
@@ -4468,13 +4429,13 @@
         </p:style>
         <p:txBody>
           <a:bodyPr rtlCol="0" anchor="ctr"/>
+          <a:lstStyle/>
           <a:p>
             <a:pPr algn="ctr"/>
             <a:r>
               <a:rPr lang="zh-CN" altLang="en-US"/>
               <a:t>欺骗老板</a:t>
             </a:r>
-            <a:endParaRPr lang="zh-CN" altLang="en-US"/>
           </a:p>
         </p:txBody>
       </p:sp>
@@ -4511,13 +4472,22 @@
         </p:style>
         <p:txBody>
           <a:bodyPr rtlCol="0" anchor="ctr"/>
+          <a:lstStyle/>
           <a:p>
             <a:pPr algn="ctr"/>
             <a:r>
-              <a:rPr lang="zh-CN" altLang="en-US"/>
-              <a:t>扮女主播</a:t>
-            </a:r>
-            <a:endParaRPr lang="zh-CN" altLang="en-US"/>
+              <a:rPr lang="zh-CN" altLang="en-US" dirty="0" smtClean="0"/>
+              <a:t>女</a:t>
+            </a:r>
+            <a:r>
+              <a:rPr lang="zh-CN" altLang="en-US" dirty="0"/>
+              <a:t>主</a:t>
+            </a:r>
+            <a:r>
+              <a:rPr lang="zh-CN" altLang="en-US" dirty="0" smtClean="0"/>
+              <a:t>播骗钱</a:t>
+            </a:r>
+            <a:endParaRPr lang="zh-CN" altLang="en-US" dirty="0"/>
           </a:p>
         </p:txBody>
       </p:sp>
@@ -4760,7 +4730,7 @@
         </p:nvSpPr>
         <p:spPr>
           <a:xfrm>
-            <a:off x="7014210" y="4786630"/>
+            <a:off x="7014210" y="4576356"/>
             <a:ext cx="2225675" cy="368300"/>
           </a:xfrm>
           <a:prstGeom prst="rect">
@@ -4772,16 +4742,17 @@
           <a:bodyPr wrap="square" rtlCol="0">
             <a:spAutoFit/>
           </a:bodyPr>
-          <a:p>
-            <a:r>
-              <a:rPr lang="en-US" altLang="zh-CN"/>
-              <a:t>NPC1</a:t>
-            </a:r>
-            <a:r>
-              <a:rPr lang="zh-CN" altLang="en-US"/>
-              <a:t>：提供假发</a:t>
-            </a:r>
-            <a:endParaRPr lang="zh-CN" altLang="en-US"/>
+          <a:lstStyle/>
+          <a:p>
+            <a:r>
+              <a:rPr lang="en-US" altLang="zh-CN" dirty="0" smtClean="0"/>
+              <a:t>NPC6</a:t>
+            </a:r>
+            <a:r>
+              <a:rPr lang="zh-CN" altLang="en-US" dirty="0" smtClean="0"/>
+              <a:t>：女主播</a:t>
+            </a:r>
+            <a:endParaRPr lang="zh-CN" altLang="en-US" dirty="0"/>
           </a:p>
         </p:txBody>
       </p:sp>
@@ -4805,6 +4776,7 @@
           <a:bodyPr wrap="square" rtlCol="0">
             <a:spAutoFit/>
           </a:bodyPr>
+          <a:lstStyle/>
           <a:p>
             <a:r>
               <a:rPr lang="en-US" altLang="zh-CN"/>
@@ -4814,7 +4786,6 @@
               <a:rPr lang="zh-CN" altLang="en-US"/>
               <a:t>：提供线索</a:t>
             </a:r>
-            <a:endParaRPr lang="zh-CN" altLang="en-US"/>
           </a:p>
         </p:txBody>
       </p:sp>
@@ -4838,20 +4809,20 @@
           <a:bodyPr wrap="square" rtlCol="0">
             <a:spAutoFit/>
           </a:bodyPr>
-          <a:p>
-            <a:r>
-              <a:rPr lang="en-US" altLang="zh-CN"/>
+          <a:lstStyle/>
+          <a:p>
+            <a:r>
+              <a:rPr lang="en-US" altLang="zh-CN" dirty="0"/>
               <a:t>NPC3</a:t>
             </a:r>
             <a:r>
-              <a:rPr lang="zh-CN" altLang="en-US"/>
+              <a:rPr lang="zh-CN" altLang="en-US" dirty="0"/>
               <a:t>：抓狗</a:t>
             </a:r>
             <a:r>
-              <a:rPr lang="en-US" altLang="zh-CN"/>
+              <a:rPr lang="en-US" altLang="zh-CN" dirty="0"/>
               <a:t>NPC</a:t>
             </a:r>
-            <a:endParaRPr lang="en-US" altLang="zh-CN"/>
           </a:p>
         </p:txBody>
       </p:sp>
@@ -4875,6 +4846,7 @@
           <a:bodyPr wrap="square" rtlCol="0">
             <a:spAutoFit/>
           </a:bodyPr>
+          <a:lstStyle/>
           <a:p>
             <a:r>
               <a:rPr lang="en-US" altLang="zh-CN"/>
@@ -4882,13 +4854,8 @@
             </a:r>
             <a:r>
               <a:rPr lang="zh-CN" altLang="en-US"/>
-              <a:t>哥</a:t>
-            </a:r>
-            <a:r>
-              <a:rPr lang="zh-CN" altLang="en-US"/>
-              <a:t>：欠债者</a:t>
-            </a:r>
-            <a:endParaRPr lang="zh-CN" altLang="en-US"/>
+              <a:t>哥：欠债者</a:t>
+            </a:r>
           </a:p>
         </p:txBody>
       </p:sp>
@@ -4912,6 +4879,7 @@
           <a:bodyPr wrap="square" rtlCol="0">
             <a:spAutoFit/>
           </a:bodyPr>
+          <a:lstStyle/>
           <a:p>
             <a:r>
               <a:rPr lang="en-US" altLang="zh-CN"/>
@@ -4945,16 +4913,29 @@
           <a:bodyPr wrap="square" rtlCol="0">
             <a:spAutoFit/>
           </a:bodyPr>
-          <a:p>
-            <a:r>
-              <a:rPr lang="en-US" altLang="zh-CN"/>
+          <a:lstStyle/>
+          <a:p>
+            <a:r>
+              <a:rPr lang="en-US" altLang="zh-CN" dirty="0">
+                <a:solidFill>
+                  <a:srgbClr val="FF0000"/>
+                </a:solidFill>
+              </a:rPr>
               <a:t>NPC5</a:t>
             </a:r>
             <a:r>
-              <a:rPr lang="zh-CN" altLang="en-US"/>
+              <a:rPr lang="zh-CN" altLang="en-US" dirty="0">
+                <a:solidFill>
+                  <a:srgbClr val="FF0000"/>
+                </a:solidFill>
+              </a:rPr>
               <a:t>：商店老板</a:t>
             </a:r>
-            <a:endParaRPr lang="en-US" altLang="zh-CN"/>
+            <a:endParaRPr lang="en-US" altLang="zh-CN" dirty="0">
+              <a:solidFill>
+                <a:srgbClr val="FF0000"/>
+              </a:solidFill>
+            </a:endParaRPr>
           </a:p>
         </p:txBody>
       </p:sp>
@@ -4978,6 +4959,7 @@
           <a:bodyPr wrap="square" rtlCol="0">
             <a:spAutoFit/>
           </a:bodyPr>
+          <a:lstStyle/>
           <a:p>
             <a:r>
               <a:rPr lang="en-US" altLang="zh-CN"/>
@@ -4987,7 +4969,6 @@
               <a:rPr lang="zh-CN" altLang="en-US"/>
               <a:t>：提供线索</a:t>
             </a:r>
-            <a:endParaRPr lang="zh-CN" altLang="en-US"/>
           </a:p>
         </p:txBody>
       </p:sp>
@@ -5024,13 +5005,13 @@
         </p:style>
         <p:txBody>
           <a:bodyPr rtlCol="0" anchor="ctr"/>
+          <a:lstStyle/>
           <a:p>
             <a:pPr algn="ctr"/>
             <a:r>
               <a:rPr lang="zh-CN" altLang="en-US"/>
               <a:t>钱到手</a:t>
             </a:r>
-            <a:endParaRPr lang="zh-CN" altLang="en-US"/>
           </a:p>
         </p:txBody>
       </p:sp>
@@ -5122,20 +5103,16 @@
           <a:bodyPr wrap="square" rtlCol="0">
             <a:spAutoFit/>
           </a:bodyPr>
-          <a:p>
-            <a:r>
-              <a:rPr lang="zh-CN" altLang="en-US" sz="1600">
+          <a:lstStyle/>
+          <a:p>
+            <a:r>
+              <a:rPr lang="zh-CN" altLang="en-US" sz="1600" dirty="0">
                 <a:solidFill>
                   <a:schemeClr val="accent6"/>
                 </a:solidFill>
               </a:rPr>
               <a:t>存有电脑的房间</a:t>
             </a:r>
-            <a:endParaRPr lang="zh-CN" altLang="en-US" sz="1600">
-              <a:solidFill>
-                <a:schemeClr val="accent6"/>
-              </a:solidFill>
-            </a:endParaRPr>
           </a:p>
         </p:txBody>
       </p:sp>
@@ -5159,20 +5136,16 @@
           <a:bodyPr wrap="square" rtlCol="0">
             <a:spAutoFit/>
           </a:bodyPr>
-          <a:p>
-            <a:r>
-              <a:rPr lang="zh-CN" altLang="en-US" sz="1600">
+          <a:lstStyle/>
+          <a:p>
+            <a:r>
+              <a:rPr lang="zh-CN" altLang="en-US" sz="1600" dirty="0">
                 <a:solidFill>
                   <a:schemeClr val="accent6"/>
                 </a:solidFill>
               </a:rPr>
               <a:t>商店</a:t>
             </a:r>
-            <a:endParaRPr lang="zh-CN" altLang="en-US" sz="1600">
-              <a:solidFill>
-                <a:schemeClr val="accent6"/>
-              </a:solidFill>
-            </a:endParaRPr>
           </a:p>
         </p:txBody>
       </p:sp>
@@ -5196,6 +5169,7 @@
           <a:bodyPr wrap="square" rtlCol="0">
             <a:spAutoFit/>
           </a:bodyPr>
+          <a:lstStyle/>
           <a:p>
             <a:r>
               <a:rPr lang="zh-CN" altLang="en-US" sz="1600">
@@ -5205,11 +5179,6 @@
               </a:rPr>
               <a:t>理发店</a:t>
             </a:r>
-            <a:endParaRPr lang="zh-CN" altLang="en-US" sz="1600">
-              <a:solidFill>
-                <a:schemeClr val="accent6"/>
-              </a:solidFill>
-            </a:endParaRPr>
           </a:p>
         </p:txBody>
       </p:sp>
@@ -5314,11 +5283,6 @@
               </a:rPr>
               <a:t>标题</a:t>
             </a:r>
-            <a:endParaRPr lang="zh-CN" altLang="zh-CN" sz="4000">
-              <a:solidFill>
-                <a:schemeClr val="bg1"/>
-              </a:solidFill>
-            </a:endParaRPr>
           </a:p>
         </p:txBody>
       </p:sp>
@@ -5346,7 +5310,6 @@
               <a:rPr lang="zh-CN" altLang="en-US"/>
               <a:t>三人开发小组</a:t>
             </a:r>
-            <a:endParaRPr lang="zh-CN" altLang="en-US"/>
           </a:p>
         </p:txBody>
       </p:sp>
@@ -5483,7 +5446,6 @@
               <a:rPr lang="zh-CN" altLang="en-US"/>
               <a:t>三人开发小组</a:t>
             </a:r>
-            <a:endParaRPr lang="zh-CN" altLang="en-US"/>
           </a:p>
         </p:txBody>
       </p:sp>
